--- a/Documents/Architecture/nervousnet.pptx
+++ b/Documents/Architecture/nervousnet.pptx
@@ -11205,8 +11205,8 @@
         </p:nvSpPr>
         <p:spPr>
           <a:xfrm>
-            <a:off x="2299254" y="4592311"/>
-            <a:ext cx="649186" cy="338554"/>
+            <a:off x="2303887" y="4592311"/>
+            <a:ext cx="639919" cy="338554"/>
           </a:xfrm>
           <a:prstGeom prst="rect">
             <a:avLst/>
@@ -11229,7 +11229,11 @@
             <a:pPr algn="ctr"/>
             <a:r>
               <a:rPr lang="en-US" sz="800" dirty="0" smtClean="0"/>
-              <a:t>platforms</a:t>
+              <a:t>Pl</a:t>
+            </a:r>
+            <a:r>
+              <a:rPr lang="en-US" sz="800" dirty="0" smtClean="0"/>
+              <a:t>atforms</a:t>
             </a:r>
             <a:endParaRPr lang="en-US" sz="800" dirty="0"/>
           </a:p>
@@ -12962,7 +12966,7 @@
         </p:nvSpPr>
         <p:spPr>
           <a:xfrm>
-            <a:off x="5018544" y="3539059"/>
+            <a:off x="4959275" y="3547526"/>
             <a:ext cx="1185227" cy="334214"/>
           </a:xfrm>
           <a:prstGeom prst="rect">
@@ -13011,8 +13015,8 @@
         </p:nvSpPr>
         <p:spPr>
           <a:xfrm>
-            <a:off x="5741734" y="1630794"/>
-            <a:ext cx="1266339" cy="369432"/>
+            <a:off x="5741734" y="1546124"/>
+            <a:ext cx="2868866" cy="198006"/>
           </a:xfrm>
           <a:prstGeom prst="rect">
             <a:avLst/>
@@ -13103,108 +13107,6 @@
               <a:rPr lang="en-US" sz="700" dirty="0"/>
               <a:t>WebView</a:t>
             </a:r>
-          </a:p>
-        </p:txBody>
-      </p:sp>
-      <p:sp>
-        <p:nvSpPr>
-          <p:cNvPr id="24" name="Up-Down Arrow 23"/>
-          <p:cNvSpPr/>
-          <p:nvPr/>
-        </p:nvSpPr>
-        <p:spPr>
-          <a:xfrm flipH="1">
-            <a:off x="4409193" y="1331212"/>
-            <a:ext cx="45719" cy="954775"/>
-          </a:xfrm>
-          <a:prstGeom prst="upDownArrow">
-            <a:avLst/>
-          </a:prstGeom>
-          <a:ln>
-            <a:solidFill>
-              <a:schemeClr val="tx2">
-                <a:lumMod val="25000"/>
-                <a:lumOff val="75000"/>
-                <a:alpha val="80000"/>
-              </a:schemeClr>
-            </a:solidFill>
-            <a:headEnd type="triangle"/>
-            <a:tailEnd type="triangle"/>
-          </a:ln>
-        </p:spPr>
-        <p:style>
-          <a:lnRef idx="3">
-            <a:schemeClr val="dk1"/>
-          </a:lnRef>
-          <a:fillRef idx="0">
-            <a:schemeClr val="dk1"/>
-          </a:fillRef>
-          <a:effectRef idx="2">
-            <a:schemeClr val="dk1"/>
-          </a:effectRef>
-          <a:fontRef idx="minor">
-            <a:schemeClr val="tx1"/>
-          </a:fontRef>
-        </p:style>
-        <p:txBody>
-          <a:bodyPr rtlCol="0" anchor="ctr"/>
-          <a:lstStyle/>
-          <a:p>
-            <a:pPr algn="ctr"/>
-            <a:endParaRPr lang="en-US"/>
-          </a:p>
-        </p:txBody>
-      </p:sp>
-      <p:sp>
-        <p:nvSpPr>
-          <p:cNvPr id="28" name="Up-Down Arrow 27"/>
-          <p:cNvSpPr/>
-          <p:nvPr/>
-        </p:nvSpPr>
-        <p:spPr>
-          <a:xfrm>
-            <a:off x="6352261" y="1336155"/>
-            <a:ext cx="50094" cy="283569"/>
-          </a:xfrm>
-          <a:prstGeom prst="upDownArrow">
-            <a:avLst/>
-          </a:prstGeom>
-          <a:ln>
-            <a:solidFill>
-              <a:schemeClr val="tx2">
-                <a:lumMod val="25000"/>
-                <a:lumOff val="75000"/>
-                <a:alpha val="80000"/>
-              </a:schemeClr>
-            </a:solidFill>
-            <a:headEnd type="triangle"/>
-            <a:tailEnd type="triangle"/>
-          </a:ln>
-        </p:spPr>
-        <p:style>
-          <a:lnRef idx="3">
-            <a:schemeClr val="dk1"/>
-          </a:lnRef>
-          <a:fillRef idx="0">
-            <a:schemeClr val="dk1"/>
-          </a:fillRef>
-          <a:effectRef idx="2">
-            <a:schemeClr val="dk1"/>
-          </a:effectRef>
-          <a:fontRef idx="minor">
-            <a:schemeClr val="tx1"/>
-          </a:fontRef>
-        </p:style>
-        <p:txBody>
-          <a:bodyPr rtlCol="0" anchor="ctr"/>
-          <a:lstStyle/>
-          <a:p>
-            <a:pPr algn="ctr"/>
-            <a:endParaRPr lang="en-US">
-              <a:solidFill>
-                <a:schemeClr val="tx1"/>
-              </a:solidFill>
-            </a:endParaRPr>
           </a:p>
         </p:txBody>
       </p:sp>
@@ -13666,8 +13568,8 @@
         </p:nvSpPr>
         <p:spPr>
           <a:xfrm>
-            <a:off x="5573082" y="785538"/>
-            <a:ext cx="67346" cy="1534316"/>
+            <a:off x="5545676" y="785538"/>
+            <a:ext cx="108304" cy="1214688"/>
           </a:xfrm>
           <a:prstGeom prst="rect">
             <a:avLst/>
@@ -13867,8 +13769,8 @@
         </p:nvSpPr>
         <p:spPr>
           <a:xfrm>
-            <a:off x="3713162" y="2658516"/>
-            <a:ext cx="1277576" cy="177800"/>
+            <a:off x="3713162" y="2658444"/>
+            <a:ext cx="1217601" cy="177872"/>
           </a:xfrm>
           <a:prstGeom prst="rect">
             <a:avLst/>
@@ -13907,7 +13809,7 @@
             </a:pPr>
             <a:r>
               <a:rPr lang="en-US" sz="600" dirty="0" smtClean="0"/>
-              <a:t>Real Time Sensor Data API’s</a:t>
+              <a:t>Read API’s</a:t>
             </a:r>
             <a:endParaRPr lang="en-US" sz="600" i="1" dirty="0"/>
           </a:p>
@@ -13921,7 +13823,7 @@
         </p:nvSpPr>
         <p:spPr>
           <a:xfrm>
-            <a:off x="5020724" y="2658516"/>
+            <a:off x="4952988" y="2658516"/>
             <a:ext cx="1191462" cy="177800"/>
           </a:xfrm>
           <a:prstGeom prst="rect">
@@ -13961,8 +13863,9 @@
             </a:pPr>
             <a:r>
               <a:rPr lang="en-US" sz="600" dirty="0" smtClean="0"/>
-              <a:t>Query API’s</a:t>
-            </a:r>
+              <a:t>Write API’s</a:t>
+            </a:r>
+            <a:endParaRPr lang="en-US" sz="600" dirty="0" smtClean="0"/>
           </a:p>
           <a:p>
             <a:pPr algn="ctr">
@@ -13982,7 +13885,7 @@
         </p:nvSpPr>
         <p:spPr>
           <a:xfrm>
-            <a:off x="6239914" y="2658516"/>
+            <a:off x="6172536" y="2658489"/>
             <a:ext cx="1184416" cy="177800"/>
           </a:xfrm>
           <a:prstGeom prst="rect">
@@ -14022,8 +13925,9 @@
             </a:pPr>
             <a:r>
               <a:rPr lang="en-US" sz="600" dirty="0" smtClean="0"/>
-              <a:t>Virtual Sensor API’s</a:t>
-            </a:r>
+              <a:t>Query API’s</a:t>
+            </a:r>
+            <a:endParaRPr lang="en-US" sz="600" dirty="0" smtClean="0"/>
           </a:p>
           <a:p>
             <a:pPr algn="ctr">
@@ -14037,24 +13941,22 @@
       </p:sp>
       <p:sp>
         <p:nvSpPr>
-          <p:cNvPr id="6" name="Rectangle 5"/>
+          <p:cNvPr id="53" name="Rectangle 52"/>
           <p:cNvSpPr/>
           <p:nvPr/>
         </p:nvSpPr>
         <p:spPr>
           <a:xfrm>
-            <a:off x="3696228" y="2398163"/>
-            <a:ext cx="3736569" cy="488961"/>
+            <a:off x="4518820" y="1949430"/>
+            <a:ext cx="2174383" cy="277304"/>
           </a:xfrm>
           <a:prstGeom prst="rect">
             <a:avLst/>
           </a:prstGeom>
-          <a:noFill/>
           <a:ln>
             <a:solidFill>
-              <a:schemeClr val="tx1">
-                <a:lumMod val="50000"/>
-                <a:lumOff val="50000"/>
+              <a:schemeClr val="bg1">
+                <a:lumMod val="65000"/>
               </a:schemeClr>
             </a:solidFill>
           </a:ln>
@@ -14074,19 +13976,13 @@
           </a:fontRef>
         </p:style>
         <p:txBody>
-          <a:bodyPr rtlCol="0" anchor="t" anchorCtr="0">
-            <a:normAutofit/>
-          </a:bodyPr>
+          <a:bodyPr rtlCol="0" anchor="ctr"/>
           <a:lstStyle/>
           <a:p>
             <a:pPr algn="ctr"/>
             <a:r>
-              <a:rPr lang="en-US" sz="900" dirty="0"/>
-              <a:t>n</a:t>
-            </a:r>
-            <a:r>
               <a:rPr lang="en-US" sz="900" dirty="0" smtClean="0"/>
-              <a:t>ervousnet HUB API Interface</a:t>
+              <a:t>Authentication Engine</a:t>
             </a:r>
             <a:endParaRPr lang="en-US" sz="900" dirty="0"/>
           </a:p>
@@ -14094,14 +13990,14 @@
       </p:sp>
       <p:sp>
         <p:nvSpPr>
-          <p:cNvPr id="53" name="Rectangle 52"/>
+          <p:cNvPr id="54" name="Rectangle 53"/>
           <p:cNvSpPr/>
           <p:nvPr/>
         </p:nvSpPr>
         <p:spPr>
           <a:xfrm>
-            <a:off x="7499542" y="2387591"/>
-            <a:ext cx="1034858" cy="499533"/>
+            <a:off x="6181003" y="3096910"/>
+            <a:ext cx="1162461" cy="272799"/>
           </a:xfrm>
           <a:prstGeom prst="rect">
             <a:avLst/>
@@ -14135,198 +14031,13 @@
           <a:p>
             <a:pPr algn="ctr"/>
             <a:r>
-              <a:rPr lang="en-US" sz="900" dirty="0" smtClean="0"/>
-              <a:t>Authentication &amp; Authorization Engine</a:t>
-            </a:r>
-            <a:endParaRPr lang="en-US" sz="900" dirty="0"/>
-          </a:p>
-        </p:txBody>
-      </p:sp>
-      <p:sp>
-        <p:nvSpPr>
-          <p:cNvPr id="46" name="Up-Down Arrow 45"/>
-          <p:cNvSpPr/>
-          <p:nvPr/>
-        </p:nvSpPr>
-        <p:spPr>
-          <a:xfrm>
-            <a:off x="6369195" y="2000226"/>
-            <a:ext cx="50094" cy="317521"/>
-          </a:xfrm>
-          <a:prstGeom prst="upDownArrow">
-            <a:avLst/>
-          </a:prstGeom>
-          <a:ln>
-            <a:solidFill>
-              <a:schemeClr val="tx2">
-                <a:lumMod val="25000"/>
-                <a:lumOff val="75000"/>
-                <a:alpha val="80000"/>
-              </a:schemeClr>
-            </a:solidFill>
-            <a:headEnd type="triangle"/>
-            <a:tailEnd type="triangle"/>
-          </a:ln>
-        </p:spPr>
-        <p:style>
-          <a:lnRef idx="3">
-            <a:schemeClr val="dk1"/>
-          </a:lnRef>
-          <a:fillRef idx="0">
-            <a:schemeClr val="dk1"/>
-          </a:fillRef>
-          <a:effectRef idx="2">
-            <a:schemeClr val="dk1"/>
-          </a:effectRef>
-          <a:fontRef idx="minor">
-            <a:schemeClr val="tx1"/>
-          </a:fontRef>
-        </p:style>
-        <p:txBody>
-          <a:bodyPr rtlCol="0" anchor="ctr"/>
-          <a:lstStyle/>
-          <a:p>
-            <a:pPr algn="ctr"/>
-            <a:endParaRPr lang="en-US">
-              <a:solidFill>
-                <a:schemeClr val="tx1"/>
-              </a:solidFill>
-            </a:endParaRPr>
-          </a:p>
-        </p:txBody>
-      </p:sp>
-      <p:sp>
-        <p:nvSpPr>
-          <p:cNvPr id="54" name="Rectangle 53"/>
-          <p:cNvSpPr/>
-          <p:nvPr/>
-        </p:nvSpPr>
-        <p:spPr>
-          <a:xfrm>
-            <a:off x="5020724" y="3004739"/>
-            <a:ext cx="1162461" cy="373461"/>
-          </a:xfrm>
-          <a:prstGeom prst="rect">
-            <a:avLst/>
-          </a:prstGeom>
-          <a:ln>
-            <a:solidFill>
-              <a:schemeClr val="tx1">
-                <a:lumMod val="50000"/>
-                <a:lumOff val="50000"/>
-              </a:schemeClr>
-            </a:solidFill>
-          </a:ln>
-        </p:spPr>
-        <p:style>
-          <a:lnRef idx="2">
-            <a:schemeClr val="dk1"/>
-          </a:lnRef>
-          <a:fillRef idx="1">
-            <a:schemeClr val="lt1"/>
-          </a:fillRef>
-          <a:effectRef idx="0">
-            <a:schemeClr val="dk1"/>
-          </a:effectRef>
-          <a:fontRef idx="minor">
-            <a:schemeClr val="dk1"/>
-          </a:fontRef>
-        </p:style>
-        <p:txBody>
-          <a:bodyPr rtlCol="0" anchor="ctr"/>
-          <a:lstStyle/>
-          <a:p>
-            <a:pPr algn="ctr"/>
-            <a:r>
-              <a:rPr lang="en-US" sz="900" dirty="0" smtClean="0"/>
-              <a:t>Local Analytical Engine (LAE)</a:t>
-            </a:r>
-            <a:endParaRPr lang="en-US" sz="900" dirty="0"/>
-          </a:p>
-        </p:txBody>
-      </p:sp>
-      <p:cxnSp>
-        <p:nvCxnSpPr>
-          <p:cNvPr id="14" name="Straight Arrow Connector 13"/>
-          <p:cNvCxnSpPr/>
-          <p:nvPr/>
-        </p:nvCxnSpPr>
-        <p:spPr>
-          <a:xfrm>
-            <a:off x="7300768" y="2455332"/>
-            <a:ext cx="320399" cy="0"/>
-          </a:xfrm>
-          <a:prstGeom prst="straightConnector1">
-            <a:avLst/>
-          </a:prstGeom>
-          <a:ln>
-            <a:solidFill>
-              <a:schemeClr val="tx2">
-                <a:lumMod val="25000"/>
-                <a:lumOff val="75000"/>
-                <a:alpha val="80000"/>
-              </a:schemeClr>
-            </a:solidFill>
-            <a:headEnd type="triangle"/>
-            <a:tailEnd type="triangle"/>
-          </a:ln>
-        </p:spPr>
-        <p:style>
-          <a:lnRef idx="3">
-            <a:schemeClr val="dk1"/>
-          </a:lnRef>
-          <a:fillRef idx="0">
-            <a:schemeClr val="dk1"/>
-          </a:fillRef>
-          <a:effectRef idx="2">
-            <a:schemeClr val="dk1"/>
-          </a:effectRef>
-          <a:fontRef idx="minor">
-            <a:schemeClr val="tx1"/>
-          </a:fontRef>
-        </p:style>
-      </p:cxnSp>
-      <p:cxnSp>
-        <p:nvCxnSpPr>
-          <p:cNvPr id="55" name="Straight Arrow Connector 54"/>
-          <p:cNvCxnSpPr/>
-          <p:nvPr/>
-        </p:nvCxnSpPr>
-        <p:spPr>
-          <a:xfrm>
-            <a:off x="6090425" y="2768572"/>
-            <a:ext cx="5696" cy="321761"/>
-          </a:xfrm>
-          <a:prstGeom prst="straightConnector1">
-            <a:avLst/>
-          </a:prstGeom>
-          <a:ln>
-            <a:solidFill>
-              <a:schemeClr val="tx2">
-                <a:lumMod val="25000"/>
-                <a:lumOff val="75000"/>
-                <a:alpha val="80000"/>
-              </a:schemeClr>
-            </a:solidFill>
-            <a:headEnd type="triangle"/>
-            <a:tailEnd type="triangle"/>
-          </a:ln>
-        </p:spPr>
-        <p:style>
-          <a:lnRef idx="3">
-            <a:schemeClr val="dk1"/>
-          </a:lnRef>
-          <a:fillRef idx="0">
-            <a:schemeClr val="dk1"/>
-          </a:fillRef>
-          <a:effectRef idx="2">
-            <a:schemeClr val="dk1"/>
-          </a:effectRef>
-          <a:fontRef idx="minor">
-            <a:schemeClr val="tx1"/>
-          </a:fontRef>
-        </p:style>
-      </p:cxnSp>
+              <a:rPr lang="en-US" sz="800" dirty="0" smtClean="0"/>
+              <a:t>Local Analytics Engine (LAE)</a:t>
+            </a:r>
+            <a:endParaRPr lang="en-US" sz="800" dirty="0"/>
+          </a:p>
+        </p:txBody>
+      </p:sp>
       <p:sp>
         <p:nvSpPr>
           <p:cNvPr id="66" name="Rectangle 65"/>
@@ -14756,7 +14467,7 @@
         </p:nvSpPr>
         <p:spPr>
           <a:xfrm>
-            <a:off x="3713162" y="3547524"/>
+            <a:off x="3730096" y="3547524"/>
             <a:ext cx="1185227" cy="334214"/>
           </a:xfrm>
           <a:prstGeom prst="rect">
@@ -14800,79 +14511,31 @@
       </p:sp>
       <p:cxnSp>
         <p:nvCxnSpPr>
-          <p:cNvPr id="59" name="Straight Arrow Connector 58"/>
+          <p:cNvPr id="79" name="Straight Arrow Connector 78"/>
           <p:cNvCxnSpPr/>
           <p:nvPr/>
         </p:nvCxnSpPr>
         <p:spPr>
           <a:xfrm>
-            <a:off x="3787652" y="2777039"/>
-            <a:ext cx="0" cy="846695"/>
+            <a:off x="4773891" y="3632201"/>
+            <a:ext cx="320399" cy="0"/>
           </a:xfrm>
           <a:prstGeom prst="straightConnector1">
             <a:avLst/>
           </a:prstGeom>
           <a:ln>
-            <a:solidFill>
-              <a:schemeClr val="tx2">
-                <a:lumMod val="25000"/>
-                <a:lumOff val="75000"/>
-                <a:alpha val="80000"/>
-              </a:schemeClr>
-            </a:solidFill>
             <a:headEnd type="triangle"/>
             <a:tailEnd type="triangle"/>
           </a:ln>
         </p:spPr>
         <p:style>
-          <a:lnRef idx="3">
+          <a:lnRef idx="1">
             <a:schemeClr val="dk1"/>
           </a:lnRef>
           <a:fillRef idx="0">
             <a:schemeClr val="dk1"/>
           </a:fillRef>
-          <a:effectRef idx="2">
-            <a:schemeClr val="dk1"/>
-          </a:effectRef>
-          <a:fontRef idx="minor">
-            <a:schemeClr val="tx1"/>
-          </a:fontRef>
-        </p:style>
-      </p:cxnSp>
-      <p:cxnSp>
-        <p:nvCxnSpPr>
-          <p:cNvPr id="79" name="Straight Arrow Connector 78"/>
-          <p:cNvCxnSpPr/>
-          <p:nvPr/>
-        </p:nvCxnSpPr>
-        <p:spPr>
-          <a:xfrm>
-            <a:off x="4790825" y="3632201"/>
-            <a:ext cx="320399" cy="0"/>
-          </a:xfrm>
-          <a:prstGeom prst="straightConnector1">
-            <a:avLst/>
-          </a:prstGeom>
-          <a:ln>
-            <a:solidFill>
-              <a:schemeClr val="tx2">
-                <a:lumMod val="25000"/>
-                <a:lumOff val="75000"/>
-                <a:alpha val="80000"/>
-              </a:schemeClr>
-            </a:solidFill>
-            <a:headEnd type="triangle"/>
-            <a:tailEnd type="triangle"/>
-          </a:ln>
-        </p:spPr>
-        <p:style>
-          <a:lnRef idx="3">
-            <a:schemeClr val="dk1"/>
-          </a:lnRef>
-          <a:fillRef idx="0">
-            <a:schemeClr val="dk1"/>
-          </a:fillRef>
-          <a:effectRef idx="2">
+          <a:effectRef idx="0">
             <a:schemeClr val="dk1"/>
           </a:effectRef>
           <a:fontRef idx="minor">
@@ -15360,66 +15023,18 @@
             <a:avLst/>
           </a:prstGeom>
           <a:ln>
-            <a:solidFill>
-              <a:schemeClr val="tx2">
-                <a:lumMod val="25000"/>
-                <a:lumOff val="75000"/>
-                <a:alpha val="80000"/>
-              </a:schemeClr>
-            </a:solidFill>
             <a:headEnd type="triangle"/>
             <a:tailEnd type="triangle"/>
           </a:ln>
         </p:spPr>
         <p:style>
-          <a:lnRef idx="3">
+          <a:lnRef idx="1">
             <a:schemeClr val="dk1"/>
           </a:lnRef>
           <a:fillRef idx="0">
             <a:schemeClr val="dk1"/>
           </a:fillRef>
-          <a:effectRef idx="2">
-            <a:schemeClr val="dk1"/>
-          </a:effectRef>
-          <a:fontRef idx="minor">
-            <a:schemeClr val="tx1"/>
-          </a:fontRef>
-        </p:style>
-      </p:cxnSp>
-      <p:cxnSp>
-        <p:nvCxnSpPr>
-          <p:cNvPr id="98" name="Straight Arrow Connector 97"/>
-          <p:cNvCxnSpPr/>
-          <p:nvPr/>
-        </p:nvCxnSpPr>
-        <p:spPr>
-          <a:xfrm>
-            <a:off x="6096242" y="3301973"/>
-            <a:ext cx="5696" cy="321761"/>
-          </a:xfrm>
-          <a:prstGeom prst="straightConnector1">
-            <a:avLst/>
-          </a:prstGeom>
-          <a:ln>
-            <a:solidFill>
-              <a:schemeClr val="tx2">
-                <a:lumMod val="25000"/>
-                <a:lumOff val="75000"/>
-                <a:alpha val="80000"/>
-              </a:schemeClr>
-            </a:solidFill>
-            <a:headEnd type="triangle"/>
-            <a:tailEnd type="triangle"/>
-          </a:ln>
-        </p:spPr>
-        <p:style>
-          <a:lnRef idx="3">
-            <a:schemeClr val="dk1"/>
-          </a:lnRef>
-          <a:fillRef idx="0">
-            <a:schemeClr val="dk1"/>
-          </a:fillRef>
-          <a:effectRef idx="2">
+          <a:effectRef idx="0">
             <a:schemeClr val="dk1"/>
           </a:effectRef>
           <a:fontRef idx="minor">
@@ -15530,6 +15145,10 @@
                 <a:spcPct val="50000"/>
               </a:lnSpc>
             </a:pPr>
+            <a:r>
+              <a:rPr lang="en-US" sz="700" dirty="0" smtClean="0"/>
+              <a:t>Database</a:t>
+            </a:r>
             <a:endParaRPr lang="en-US" sz="700" dirty="0"/>
           </a:p>
           <a:p>
@@ -15538,14 +15157,15 @@
                 <a:spcPct val="50000"/>
               </a:lnSpc>
             </a:pPr>
-            <a:r>
-              <a:rPr lang="en-US" sz="700" dirty="0" smtClean="0"/>
-              <a:t>SQL </a:t>
-            </a:r>
-            <a:r>
-              <a:rPr lang="en-US" sz="700" dirty="0"/>
-              <a:t>Lite DB</a:t>
-            </a:r>
+            <a:endParaRPr lang="en-US" sz="700" dirty="0" smtClean="0"/>
+          </a:p>
+          <a:p>
+            <a:pPr>
+              <a:lnSpc>
+                <a:spcPct val="50000"/>
+              </a:lnSpc>
+            </a:pPr>
+            <a:endParaRPr lang="en-US" sz="700" dirty="0" smtClean="0"/>
           </a:p>
         </p:txBody>
       </p:sp>
@@ -15607,32 +15227,25 @@
         </p:nvCxnSpPr>
         <p:spPr>
           <a:xfrm>
-            <a:off x="6107601" y="3790452"/>
-            <a:ext cx="8225" cy="604469"/>
+            <a:off x="6048332" y="3790452"/>
+            <a:ext cx="0" cy="588258"/>
           </a:xfrm>
           <a:prstGeom prst="straightConnector1">
             <a:avLst/>
           </a:prstGeom>
           <a:ln>
-            <a:solidFill>
-              <a:schemeClr val="tx2">
-                <a:lumMod val="25000"/>
-                <a:lumOff val="75000"/>
-                <a:alpha val="80000"/>
-              </a:schemeClr>
-            </a:solidFill>
             <a:headEnd type="triangle"/>
             <a:tailEnd type="triangle"/>
           </a:ln>
         </p:spPr>
         <p:style>
-          <a:lnRef idx="3">
+          <a:lnRef idx="1">
             <a:schemeClr val="dk1"/>
           </a:lnRef>
           <a:fillRef idx="0">
             <a:schemeClr val="dk1"/>
           </a:fillRef>
-          <a:effectRef idx="2">
+          <a:effectRef idx="0">
             <a:schemeClr val="dk1"/>
           </a:effectRef>
           <a:fontRef idx="minor">
@@ -15794,40 +15407,548 @@
       </p:sp>
       <p:cxnSp>
         <p:nvCxnSpPr>
-          <p:cNvPr id="111" name="Elbow Connector 110"/>
+          <p:cNvPr id="4" name="Straight Arrow Connector 3"/>
           <p:cNvCxnSpPr/>
           <p:nvPr/>
         </p:nvCxnSpPr>
         <p:spPr>
+          <a:xfrm>
+            <a:off x="6540797" y="2226734"/>
+            <a:ext cx="0" cy="171429"/>
+          </a:xfrm>
+          <a:prstGeom prst="straightConnector1">
+            <a:avLst/>
+          </a:prstGeom>
+          <a:ln>
+            <a:headEnd type="none"/>
+            <a:tailEnd type="triangle"/>
+          </a:ln>
+        </p:spPr>
+        <p:style>
+          <a:lnRef idx="1">
+            <a:schemeClr val="dk1"/>
+          </a:lnRef>
+          <a:fillRef idx="0">
+            <a:schemeClr val="dk1"/>
+          </a:fillRef>
+          <a:effectRef idx="0">
+            <a:schemeClr val="dk1"/>
+          </a:effectRef>
+          <a:fontRef idx="minor">
+            <a:schemeClr val="tx1"/>
+          </a:fontRef>
+        </p:style>
+      </p:cxnSp>
+      <p:cxnSp>
+        <p:nvCxnSpPr>
+          <p:cNvPr id="64" name="Straight Arrow Connector 63"/>
+          <p:cNvCxnSpPr/>
+          <p:nvPr/>
+        </p:nvCxnSpPr>
+        <p:spPr>
+          <a:xfrm>
+            <a:off x="8174865" y="1761064"/>
+            <a:ext cx="0" cy="654033"/>
+          </a:xfrm>
+          <a:prstGeom prst="straightConnector1">
+            <a:avLst/>
+          </a:prstGeom>
+          <a:ln>
+            <a:headEnd type="triangle"/>
+            <a:tailEnd type="none"/>
+          </a:ln>
+        </p:spPr>
+        <p:style>
+          <a:lnRef idx="1">
+            <a:schemeClr val="dk1"/>
+          </a:lnRef>
+          <a:fillRef idx="0">
+            <a:schemeClr val="dk1"/>
+          </a:fillRef>
+          <a:effectRef idx="0">
+            <a:schemeClr val="dk1"/>
+          </a:effectRef>
+          <a:fontRef idx="minor">
+            <a:schemeClr val="tx1"/>
+          </a:fontRef>
+        </p:style>
+      </p:cxnSp>
+      <p:cxnSp>
+        <p:nvCxnSpPr>
+          <p:cNvPr id="74" name="Straight Arrow Connector 73"/>
+          <p:cNvCxnSpPr/>
+          <p:nvPr/>
+        </p:nvCxnSpPr>
+        <p:spPr>
+          <a:xfrm>
+            <a:off x="4720518" y="2226729"/>
+            <a:ext cx="0" cy="171429"/>
+          </a:xfrm>
+          <a:prstGeom prst="straightConnector1">
+            <a:avLst/>
+          </a:prstGeom>
+          <a:ln>
+            <a:headEnd type="none"/>
+            <a:tailEnd type="triangle"/>
+          </a:ln>
+        </p:spPr>
+        <p:style>
+          <a:lnRef idx="1">
+            <a:schemeClr val="dk1"/>
+          </a:lnRef>
+          <a:fillRef idx="0">
+            <a:schemeClr val="dk1"/>
+          </a:fillRef>
+          <a:effectRef idx="0">
+            <a:schemeClr val="dk1"/>
+          </a:effectRef>
+          <a:fontRef idx="minor">
+            <a:schemeClr val="tx1"/>
+          </a:fontRef>
+        </p:style>
+      </p:cxnSp>
+      <p:sp>
+        <p:nvSpPr>
+          <p:cNvPr id="77" name="Rectangle 76"/>
+          <p:cNvSpPr/>
+          <p:nvPr/>
+        </p:nvSpPr>
+        <p:spPr>
+          <a:xfrm>
+            <a:off x="7375382" y="2658444"/>
+            <a:ext cx="1175951" cy="177800"/>
+          </a:xfrm>
+          <a:prstGeom prst="rect">
+            <a:avLst/>
+          </a:prstGeom>
+          <a:ln cap="rnd">
+            <a:solidFill>
+              <a:schemeClr val="bg1">
+                <a:lumMod val="85000"/>
+              </a:schemeClr>
+            </a:solidFill>
+            <a:prstDash val="sysDash"/>
+          </a:ln>
+        </p:spPr>
+        <p:style>
+          <a:lnRef idx="2">
+            <a:schemeClr val="dk1"/>
+          </a:lnRef>
+          <a:fillRef idx="1">
+            <a:schemeClr val="lt1"/>
+          </a:fillRef>
+          <a:effectRef idx="0">
+            <a:schemeClr val="dk1"/>
+          </a:effectRef>
+          <a:fontRef idx="minor">
+            <a:schemeClr val="dk1"/>
+          </a:fontRef>
+        </p:style>
+        <p:txBody>
+          <a:bodyPr vert="horz" tIns="93600" rtlCol="0" anchor="t" anchorCtr="0"/>
+          <a:lstStyle/>
+          <a:p>
+            <a:pPr algn="ctr">
+              <a:lnSpc>
+                <a:spcPct val="50000"/>
+              </a:lnSpc>
+            </a:pPr>
+            <a:r>
+              <a:rPr lang="en-US" sz="600" dirty="0"/>
+              <a:t>V</a:t>
+            </a:r>
+            <a:r>
+              <a:rPr lang="en-US" sz="600" dirty="0" smtClean="0"/>
+              <a:t>. Sensor</a:t>
+            </a:r>
+            <a:r>
+              <a:rPr lang="en-US" sz="600" dirty="0" smtClean="0"/>
+              <a:t> Registration API’s</a:t>
+            </a:r>
+            <a:endParaRPr lang="en-US" sz="600" dirty="0" smtClean="0"/>
+          </a:p>
+          <a:p>
+            <a:pPr algn="ctr">
+              <a:lnSpc>
+                <a:spcPct val="50000"/>
+              </a:lnSpc>
+            </a:pPr>
+            <a:endParaRPr lang="en-US" sz="600" i="1" dirty="0"/>
+          </a:p>
+        </p:txBody>
+      </p:sp>
+      <p:cxnSp>
+        <p:nvCxnSpPr>
+          <p:cNvPr id="76" name="Straight Arrow Connector 75"/>
+          <p:cNvCxnSpPr/>
+          <p:nvPr/>
+        </p:nvCxnSpPr>
+        <p:spPr>
+          <a:xfrm>
+            <a:off x="4016188" y="1315785"/>
+            <a:ext cx="0" cy="1082373"/>
+          </a:xfrm>
+          <a:prstGeom prst="straightConnector1">
+            <a:avLst/>
+          </a:prstGeom>
+          <a:ln>
+            <a:headEnd type="triangle"/>
+            <a:tailEnd type="none"/>
+          </a:ln>
+        </p:spPr>
+        <p:style>
+          <a:lnRef idx="1">
+            <a:schemeClr val="dk1"/>
+          </a:lnRef>
+          <a:fillRef idx="0">
+            <a:schemeClr val="dk1"/>
+          </a:fillRef>
+          <a:effectRef idx="0">
+            <a:schemeClr val="dk1"/>
+          </a:effectRef>
+          <a:fontRef idx="minor">
+            <a:schemeClr val="tx1"/>
+          </a:fontRef>
+        </p:style>
+      </p:cxnSp>
+      <p:cxnSp>
+        <p:nvCxnSpPr>
+          <p:cNvPr id="35" name="Elbow Connector 34"/>
+          <p:cNvCxnSpPr>
+            <a:stCxn id="54" idx="2"/>
+            <a:endCxn id="5" idx="3"/>
+          </p:cNvCxnSpPr>
+          <p:nvPr/>
+        </p:nvCxnSpPr>
+        <p:spPr>
+          <a:xfrm rot="5400000">
+            <a:off x="6280906" y="3233305"/>
+            <a:ext cx="344924" cy="617732"/>
+          </a:xfrm>
+          <a:prstGeom prst="bentConnector2">
+            <a:avLst/>
+          </a:prstGeom>
+          <a:ln>
+            <a:headEnd type="none"/>
+            <a:tailEnd type="triangle"/>
+          </a:ln>
+        </p:spPr>
+        <p:style>
+          <a:lnRef idx="1">
+            <a:schemeClr val="dk1"/>
+          </a:lnRef>
+          <a:fillRef idx="0">
+            <a:schemeClr val="dk1"/>
+          </a:fillRef>
+          <a:effectRef idx="0">
+            <a:schemeClr val="dk1"/>
+          </a:effectRef>
+          <a:fontRef idx="minor">
+            <a:schemeClr val="tx1"/>
+          </a:fontRef>
+        </p:style>
+      </p:cxnSp>
+      <p:sp>
+        <p:nvSpPr>
+          <p:cNvPr id="6" name="Rectangle 5"/>
+          <p:cNvSpPr/>
+          <p:nvPr/>
+        </p:nvSpPr>
+        <p:spPr>
+          <a:xfrm>
+            <a:off x="3696228" y="2398163"/>
+            <a:ext cx="4855105" cy="488961"/>
+          </a:xfrm>
+          <a:prstGeom prst="rect">
+            <a:avLst/>
+          </a:prstGeom>
+          <a:noFill/>
+          <a:ln>
+            <a:solidFill>
+              <a:schemeClr val="tx1">
+                <a:lumMod val="50000"/>
+                <a:lumOff val="50000"/>
+              </a:schemeClr>
+            </a:solidFill>
+          </a:ln>
+        </p:spPr>
+        <p:style>
+          <a:lnRef idx="2">
+            <a:schemeClr val="dk1"/>
+          </a:lnRef>
+          <a:fillRef idx="1">
+            <a:schemeClr val="lt1"/>
+          </a:fillRef>
+          <a:effectRef idx="0">
+            <a:schemeClr val="dk1"/>
+          </a:effectRef>
+          <a:fontRef idx="minor">
+            <a:schemeClr val="dk1"/>
+          </a:fontRef>
+        </p:style>
+        <p:txBody>
+          <a:bodyPr rtlCol="0" anchor="t" anchorCtr="0">
+            <a:normAutofit/>
+          </a:bodyPr>
+          <a:lstStyle/>
+          <a:p>
+            <a:pPr algn="ctr"/>
+            <a:r>
+              <a:rPr lang="en-US" sz="900" dirty="0"/>
+              <a:t>n</a:t>
+            </a:r>
+            <a:r>
+              <a:rPr lang="en-US" sz="900" dirty="0" smtClean="0"/>
+              <a:t>ervousnet HUB API Interface</a:t>
+            </a:r>
+            <a:endParaRPr lang="en-US" sz="900" dirty="0"/>
+          </a:p>
+        </p:txBody>
+      </p:sp>
+      <p:cxnSp>
+        <p:nvCxnSpPr>
+          <p:cNvPr id="55" name="Straight Arrow Connector 54"/>
+          <p:cNvCxnSpPr>
+            <a:stCxn id="45" idx="2"/>
+            <a:endCxn id="5" idx="0"/>
+          </p:cNvCxnSpPr>
+          <p:nvPr/>
+        </p:nvCxnSpPr>
+        <p:spPr>
+          <a:xfrm>
+            <a:off x="5548719" y="2836316"/>
+            <a:ext cx="3170" cy="711210"/>
+          </a:xfrm>
+          <a:prstGeom prst="straightConnector1">
+            <a:avLst/>
+          </a:prstGeom>
+          <a:ln>
+            <a:headEnd type="triangle"/>
+            <a:tailEnd type="triangle"/>
+          </a:ln>
+        </p:spPr>
+        <p:style>
+          <a:lnRef idx="1">
+            <a:schemeClr val="dk1"/>
+          </a:lnRef>
+          <a:fillRef idx="0">
+            <a:schemeClr val="dk1"/>
+          </a:fillRef>
+          <a:effectRef idx="0">
+            <a:schemeClr val="dk1"/>
+          </a:effectRef>
+          <a:fontRef idx="minor">
+            <a:schemeClr val="tx1"/>
+          </a:fontRef>
+        </p:style>
+      </p:cxnSp>
+      <p:cxnSp>
+        <p:nvCxnSpPr>
+          <p:cNvPr id="59" name="Straight Arrow Connector 58"/>
+          <p:cNvCxnSpPr>
+            <a:stCxn id="41" idx="2"/>
+            <a:endCxn id="75" idx="0"/>
+          </p:cNvCxnSpPr>
+          <p:nvPr/>
+        </p:nvCxnSpPr>
+        <p:spPr>
+          <a:xfrm>
+            <a:off x="4321963" y="2836316"/>
+            <a:ext cx="747" cy="711208"/>
+          </a:xfrm>
+          <a:prstGeom prst="straightConnector1">
+            <a:avLst/>
+          </a:prstGeom>
+          <a:ln>
+            <a:headEnd type="triangle"/>
+            <a:tailEnd type="triangle"/>
+          </a:ln>
+        </p:spPr>
+        <p:style>
+          <a:lnRef idx="1">
+            <a:schemeClr val="dk1"/>
+          </a:lnRef>
+          <a:fillRef idx="0">
+            <a:schemeClr val="dk1"/>
+          </a:fillRef>
+          <a:effectRef idx="0">
+            <a:schemeClr val="dk1"/>
+          </a:effectRef>
+          <a:fontRef idx="minor">
+            <a:schemeClr val="tx1"/>
+          </a:fontRef>
+        </p:style>
+      </p:cxnSp>
+      <p:cxnSp>
+        <p:nvCxnSpPr>
+          <p:cNvPr id="98" name="Straight Arrow Connector 97"/>
+          <p:cNvCxnSpPr>
+            <a:stCxn id="51" idx="2"/>
+            <a:endCxn id="54" idx="0"/>
+          </p:cNvCxnSpPr>
+          <p:nvPr/>
+        </p:nvCxnSpPr>
+        <p:spPr>
+          <a:xfrm flipH="1">
+            <a:off x="6762234" y="2836289"/>
+            <a:ext cx="2510" cy="260621"/>
+          </a:xfrm>
+          <a:prstGeom prst="straightConnector1">
+            <a:avLst/>
+          </a:prstGeom>
+          <a:ln>
+            <a:headEnd type="triangle"/>
+            <a:tailEnd type="triangle"/>
+          </a:ln>
+        </p:spPr>
+        <p:style>
+          <a:lnRef idx="1">
+            <a:schemeClr val="dk1"/>
+          </a:lnRef>
+          <a:fillRef idx="0">
+            <a:schemeClr val="dk1"/>
+          </a:fillRef>
+          <a:effectRef idx="0">
+            <a:schemeClr val="dk1"/>
+          </a:effectRef>
+          <a:fontRef idx="minor">
+            <a:schemeClr val="tx1"/>
+          </a:fontRef>
+        </p:style>
+      </p:cxnSp>
+      <p:cxnSp>
+        <p:nvCxnSpPr>
+          <p:cNvPr id="83" name="Straight Arrow Connector 82"/>
+          <p:cNvCxnSpPr/>
+          <p:nvPr/>
+        </p:nvCxnSpPr>
+        <p:spPr>
+          <a:xfrm flipH="1">
+            <a:off x="4722466" y="1315785"/>
+            <a:ext cx="1" cy="657155"/>
+          </a:xfrm>
+          <a:prstGeom prst="straightConnector1">
+            <a:avLst/>
+          </a:prstGeom>
+          <a:ln>
+            <a:headEnd type="triangle"/>
+            <a:tailEnd type="triangle"/>
+          </a:ln>
+        </p:spPr>
+        <p:style>
+          <a:lnRef idx="1">
+            <a:schemeClr val="dk1"/>
+          </a:lnRef>
+          <a:fillRef idx="0">
+            <a:schemeClr val="dk1"/>
+          </a:fillRef>
+          <a:effectRef idx="0">
+            <a:schemeClr val="dk1"/>
+          </a:effectRef>
+          <a:fontRef idx="minor">
+            <a:schemeClr val="tx1"/>
+          </a:fontRef>
+        </p:style>
+      </p:cxnSp>
+      <p:cxnSp>
+        <p:nvCxnSpPr>
+          <p:cNvPr id="84" name="Straight Arrow Connector 83"/>
+          <p:cNvCxnSpPr/>
+          <p:nvPr/>
+        </p:nvCxnSpPr>
+        <p:spPr>
+          <a:xfrm>
+            <a:off x="6526373" y="1712319"/>
+            <a:ext cx="5957" cy="260621"/>
+          </a:xfrm>
+          <a:prstGeom prst="straightConnector1">
+            <a:avLst/>
+          </a:prstGeom>
+          <a:ln>
+            <a:headEnd type="triangle"/>
+            <a:tailEnd type="triangle"/>
+          </a:ln>
+        </p:spPr>
+        <p:style>
+          <a:lnRef idx="1">
+            <a:schemeClr val="dk1"/>
+          </a:lnRef>
+          <a:fillRef idx="0">
+            <a:schemeClr val="dk1"/>
+          </a:fillRef>
+          <a:effectRef idx="0">
+            <a:schemeClr val="dk1"/>
+          </a:effectRef>
+          <a:fontRef idx="minor">
+            <a:schemeClr val="tx1"/>
+          </a:fontRef>
+        </p:style>
+      </p:cxnSp>
+      <p:cxnSp>
+        <p:nvCxnSpPr>
+          <p:cNvPr id="85" name="Straight Arrow Connector 84"/>
+          <p:cNvCxnSpPr/>
+          <p:nvPr/>
+        </p:nvCxnSpPr>
+        <p:spPr>
+          <a:xfrm flipH="1">
+            <a:off x="6526250" y="1315785"/>
+            <a:ext cx="123" cy="260621"/>
+          </a:xfrm>
+          <a:prstGeom prst="straightConnector1">
+            <a:avLst/>
+          </a:prstGeom>
+          <a:ln>
+            <a:headEnd type="triangle"/>
+            <a:tailEnd type="triangle"/>
+          </a:ln>
+        </p:spPr>
+        <p:style>
+          <a:lnRef idx="1">
+            <a:schemeClr val="dk1"/>
+          </a:lnRef>
+          <a:fillRef idx="0">
+            <a:schemeClr val="dk1"/>
+          </a:fillRef>
+          <a:effectRef idx="0">
+            <a:schemeClr val="dk1"/>
+          </a:effectRef>
+          <a:fontRef idx="minor">
+            <a:schemeClr val="tx1"/>
+          </a:fontRef>
+        </p:style>
+      </p:cxnSp>
+      <p:cxnSp>
+        <p:nvCxnSpPr>
+          <p:cNvPr id="91" name="Elbow Connector 90"/>
+          <p:cNvCxnSpPr>
+            <a:endCxn id="5" idx="3"/>
+          </p:cNvCxnSpPr>
+          <p:nvPr/>
+        </p:nvCxnSpPr>
+        <p:spPr>
           <a:xfrm rot="10800000" flipV="1">
-            <a:off x="6157593" y="2747415"/>
-            <a:ext cx="1151643" cy="958749"/>
+            <a:off x="6144503" y="2836243"/>
+            <a:ext cx="2030363" cy="878389"/>
           </a:xfrm>
           <a:prstGeom prst="bentConnector3">
             <a:avLst>
-              <a:gd name="adj1" fmla="val 8"/>
+              <a:gd name="adj1" fmla="val -457"/>
             </a:avLst>
           </a:prstGeom>
           <a:ln>
-            <a:solidFill>
-              <a:schemeClr val="tx2">
-                <a:lumMod val="25000"/>
-                <a:lumOff val="75000"/>
-                <a:alpha val="80000"/>
-              </a:schemeClr>
-            </a:solidFill>
-            <a:headEnd type="triangle"/>
+            <a:headEnd type="none"/>
             <a:tailEnd type="triangle"/>
           </a:ln>
         </p:spPr>
         <p:style>
-          <a:lnRef idx="3">
+          <a:lnRef idx="1">
             <a:schemeClr val="dk1"/>
           </a:lnRef>
           <a:fillRef idx="0">
             <a:schemeClr val="dk1"/>
           </a:fillRef>
-          <a:effectRef idx="2">
+          <a:effectRef idx="0">
             <a:schemeClr val="dk1"/>
           </a:effectRef>
           <a:fontRef idx="minor">

--- a/Documents/Architecture/nervousnet.pptx
+++ b/Documents/Architecture/nervousnet.pptx
@@ -3697,7 +3697,7 @@
           <a:p>
             <a:fld id="{E29EADBD-8C2A-0E4C-92CE-5EBFF6224A3A}" type="datetime1">
               <a:rPr lang="en-US" smtClean="0"/>
-              <a:t>30/03/16</a:t>
+              <a:t>01/04/16</a:t>
             </a:fld>
             <a:endParaRPr lang="en-US"/>
           </a:p>
@@ -3867,7 +3867,7 @@
           <a:p>
             <a:fld id="{00A2197B-82DA-B840-975D-6BA3EE4C2DC8}" type="datetime1">
               <a:rPr lang="en-US" smtClean="0"/>
-              <a:t>30/03/16</a:t>
+              <a:t>01/04/16</a:t>
             </a:fld>
             <a:endParaRPr lang="en-US"/>
           </a:p>
@@ -4611,7 +4611,7 @@
           <a:p>
             <a:fld id="{D9367090-103A-FA49-A3B4-31066D77167B}" type="datetime1">
               <a:rPr lang="en-US" smtClean="0"/>
-              <a:t>30/03/16</a:t>
+              <a:t>01/04/16</a:t>
             </a:fld>
             <a:endParaRPr lang="en-US"/>
           </a:p>
@@ -4936,7 +4936,7 @@
           <a:p>
             <a:fld id="{ABC2C74B-38EB-6142-981A-F4874F5C558C}" type="datetime1">
               <a:rPr lang="en-US" smtClean="0"/>
-              <a:t>30/03/16</a:t>
+              <a:t>01/04/16</a:t>
             </a:fld>
             <a:endParaRPr lang="en-US"/>
           </a:p>
@@ -5217,7 +5217,7 @@
           <a:p>
             <a:fld id="{2E308B6A-9F4E-B64E-B36C-0598F402E0B0}" type="datetime1">
               <a:rPr lang="en-US" smtClean="0"/>
-              <a:t>30/03/16</a:t>
+              <a:t>01/04/16</a:t>
             </a:fld>
             <a:endParaRPr lang="en-US"/>
           </a:p>
@@ -5515,7 +5515,7 @@
           <a:p>
             <a:fld id="{85937D96-DDC1-4747-AA95-A033CACCB96C}" type="datetime1">
               <a:rPr lang="en-US" smtClean="0"/>
-              <a:t>30/03/16</a:t>
+              <a:t>01/04/16</a:t>
             </a:fld>
             <a:endParaRPr lang="en-US"/>
           </a:p>
@@ -5848,7 +5848,7 @@
           <a:p>
             <a:fld id="{5321CDED-9626-FA46-9EE7-E82FB8600649}" type="datetime1">
               <a:rPr lang="en-US" smtClean="0"/>
-              <a:t>30/03/16</a:t>
+              <a:t>01/04/16</a:t>
             </a:fld>
             <a:endParaRPr lang="en-US"/>
           </a:p>
@@ -6103,7 +6103,7 @@
           <a:p>
             <a:fld id="{1C24507A-5856-C541-981B-4412383053C8}" type="datetime1">
               <a:rPr lang="en-US" smtClean="0"/>
-              <a:t>30/03/16</a:t>
+              <a:t>01/04/16</a:t>
             </a:fld>
             <a:endParaRPr lang="en-US"/>
           </a:p>
@@ -6286,7 +6286,7 @@
           <a:p>
             <a:fld id="{6905DD47-EC52-8743-A4BF-BDFBFBA3AE81}" type="datetime1">
               <a:rPr lang="en-US" smtClean="0"/>
-              <a:t>30/03/16</a:t>
+              <a:t>01/04/16</a:t>
             </a:fld>
             <a:endParaRPr lang="en-US"/>
           </a:p>
@@ -6459,7 +6459,7 @@
           <a:p>
             <a:fld id="{1D77DB73-494B-5E4A-8019-F4524E111BAF}" type="datetime1">
               <a:rPr lang="en-US" smtClean="0"/>
-              <a:t>30/03/16</a:t>
+              <a:t>01/04/16</a:t>
             </a:fld>
             <a:endParaRPr lang="en-US"/>
           </a:p>
@@ -6732,7 +6732,7 @@
           <a:p>
             <a:fld id="{5A88EB98-4821-3849-86D7-AEAB3699D07C}" type="datetime1">
               <a:rPr lang="en-US" smtClean="0"/>
-              <a:t>30/03/16</a:t>
+              <a:t>01/04/16</a:t>
             </a:fld>
             <a:endParaRPr lang="en-US"/>
           </a:p>
@@ -7043,7 +7043,7 @@
           <a:p>
             <a:fld id="{E2211E45-9E9F-C742-80C0-3820C3566BB1}" type="datetime1">
               <a:rPr lang="en-US" smtClean="0"/>
-              <a:t>30/03/16</a:t>
+              <a:t>01/04/16</a:t>
             </a:fld>
             <a:endParaRPr lang="en-US"/>
           </a:p>
@@ -7339,7 +7339,7 @@
           <a:p>
             <a:fld id="{CB5CC828-769C-E54C-9215-692401F93968}" type="datetime1">
               <a:rPr lang="en-US" smtClean="0"/>
-              <a:t>30/03/16</a:t>
+              <a:t>01/04/16</a:t>
             </a:fld>
             <a:endParaRPr lang="en-US"/>
           </a:p>
@@ -7773,7 +7773,7 @@
           <a:p>
             <a:fld id="{1AA2AE0E-A114-5642-B6C6-FD149E76306E}" type="datetime1">
               <a:rPr lang="en-US" smtClean="0"/>
-              <a:t>30/03/16</a:t>
+              <a:t>01/04/16</a:t>
             </a:fld>
             <a:endParaRPr lang="en-US"/>
           </a:p>
@@ -8123,7 +8123,7 @@
           <a:p>
             <a:fld id="{8A715A52-2182-4049-98B2-F3202A644989}" type="datetime1">
               <a:rPr lang="en-US" smtClean="0"/>
-              <a:t>30/03/16</a:t>
+              <a:t>01/04/16</a:t>
             </a:fld>
             <a:endParaRPr lang="en-US"/>
           </a:p>
@@ -8217,7 +8217,7 @@
           <a:p>
             <a:fld id="{3CF4FDC8-DC40-7C44-B03A-3EFB3AAE78B7}" type="datetime1">
               <a:rPr lang="en-US" smtClean="0"/>
-              <a:t>30/03/16</a:t>
+              <a:t>01/04/16</a:t>
             </a:fld>
             <a:endParaRPr lang="en-US"/>
           </a:p>
@@ -8558,7 +8558,7 @@
           <a:p>
             <a:fld id="{22BC680A-A1C5-9D47-898A-4B941B6FDB12}" type="datetime1">
               <a:rPr lang="en-US" smtClean="0"/>
-              <a:t>30/03/16</a:t>
+              <a:t>01/04/16</a:t>
             </a:fld>
             <a:endParaRPr lang="en-US"/>
           </a:p>
@@ -8774,7 +8774,7 @@
           <a:p>
             <a:fld id="{A94D9655-E859-0A4D-ABA6-66C7095048D0}" type="datetime1">
               <a:rPr lang="en-US" smtClean="0"/>
-              <a:t>30/03/16</a:t>
+              <a:t>01/04/16</a:t>
             </a:fld>
             <a:endParaRPr lang="en-US"/>
           </a:p>
@@ -11229,11 +11229,7 @@
             <a:pPr algn="ctr"/>
             <a:r>
               <a:rPr lang="en-US" sz="800" dirty="0" smtClean="0"/>
-              <a:t>Pl</a:t>
-            </a:r>
-            <a:r>
-              <a:rPr lang="en-US" sz="800" dirty="0" smtClean="0"/>
-              <a:t>atforms</a:t>
+              <a:t>Platforms</a:t>
             </a:r>
             <a:endParaRPr lang="en-US" sz="800" dirty="0"/>
           </a:p>
@@ -12966,8 +12962,8 @@
         </p:nvSpPr>
         <p:spPr>
           <a:xfrm>
-            <a:off x="4959275" y="3547526"/>
-            <a:ext cx="1185227" cy="334214"/>
+            <a:off x="3713162" y="3547526"/>
+            <a:ext cx="4838171" cy="334214"/>
           </a:xfrm>
           <a:prstGeom prst="rect">
             <a:avLst/>
@@ -13682,8 +13678,8 @@
         </p:nvSpPr>
         <p:spPr>
           <a:xfrm>
-            <a:off x="321734" y="3402635"/>
-            <a:ext cx="2392786" cy="684675"/>
+            <a:off x="909865" y="4609393"/>
+            <a:ext cx="1364704" cy="356176"/>
           </a:xfrm>
           <a:prstGeom prst="rect">
             <a:avLst/>
@@ -13717,24 +13713,10 @@
           <a:p>
             <a:pPr algn="ctr"/>
             <a:r>
-              <a:rPr lang="en-US" sz="1000" dirty="0"/>
-              <a:t>nervousnet Proxy / </a:t>
+              <a:rPr lang="en-US" sz="1000" dirty="0" smtClean="0"/>
+              <a:t>Distributed Servers</a:t>
             </a:r>
-            <a:r>
-              <a:rPr lang="en-US" sz="1000" dirty="0" smtClean="0"/>
-              <a:t>Distributed</a:t>
-            </a:r>
-          </a:p>
-          <a:p>
-            <a:pPr algn="ctr"/>
-            <a:r>
-              <a:rPr lang="en-US" sz="1000" dirty="0" smtClean="0"/>
-              <a:t> </a:t>
-            </a:r>
-            <a:r>
-              <a:rPr lang="en-US" sz="1000" dirty="0"/>
-              <a:t>Server</a:t>
-            </a:r>
+            <a:endParaRPr lang="en-US" sz="1000" dirty="0"/>
           </a:p>
         </p:txBody>
       </p:sp>
@@ -13865,7 +13847,6 @@
               <a:rPr lang="en-US" sz="600" dirty="0" smtClean="0"/>
               <a:t>Write API’s</a:t>
             </a:r>
-            <a:endParaRPr lang="en-US" sz="600" dirty="0" smtClean="0"/>
           </a:p>
           <a:p>
             <a:pPr algn="ctr">
@@ -13927,7 +13908,6 @@
               <a:rPr lang="en-US" sz="600" dirty="0" smtClean="0"/>
               <a:t>Query API’s</a:t>
             </a:r>
-            <a:endParaRPr lang="en-US" sz="600" dirty="0" smtClean="0"/>
           </a:p>
           <a:p>
             <a:pPr algn="ctr">
@@ -14459,90 +14439,6 @@
           </a:p>
         </p:txBody>
       </p:sp>
-      <p:sp>
-        <p:nvSpPr>
-          <p:cNvPr id="75" name="Rectangle 74"/>
-          <p:cNvSpPr/>
-          <p:nvPr/>
-        </p:nvSpPr>
-        <p:spPr>
-          <a:xfrm>
-            <a:off x="3730096" y="3547524"/>
-            <a:ext cx="1185227" cy="334214"/>
-          </a:xfrm>
-          <a:prstGeom prst="rect">
-            <a:avLst/>
-          </a:prstGeom>
-          <a:ln>
-            <a:solidFill>
-              <a:schemeClr val="tx1">
-                <a:lumMod val="50000"/>
-                <a:lumOff val="50000"/>
-              </a:schemeClr>
-            </a:solidFill>
-          </a:ln>
-        </p:spPr>
-        <p:style>
-          <a:lnRef idx="2">
-            <a:schemeClr val="dk1"/>
-          </a:lnRef>
-          <a:fillRef idx="1">
-            <a:schemeClr val="lt1"/>
-          </a:fillRef>
-          <a:effectRef idx="0">
-            <a:schemeClr val="dk1"/>
-          </a:effectRef>
-          <a:fontRef idx="minor">
-            <a:schemeClr val="dk1"/>
-          </a:fontRef>
-        </p:style>
-        <p:txBody>
-          <a:bodyPr rtlCol="0" anchor="ctr"/>
-          <a:lstStyle/>
-          <a:p>
-            <a:pPr algn="ctr"/>
-            <a:r>
-              <a:rPr lang="en-US" sz="900" dirty="0" smtClean="0"/>
-              <a:t>Controller</a:t>
-            </a:r>
-            <a:endParaRPr lang="en-US" sz="900" dirty="0"/>
-          </a:p>
-        </p:txBody>
-      </p:sp>
-      <p:cxnSp>
-        <p:nvCxnSpPr>
-          <p:cNvPr id="79" name="Straight Arrow Connector 78"/>
-          <p:cNvCxnSpPr/>
-          <p:nvPr/>
-        </p:nvCxnSpPr>
-        <p:spPr>
-          <a:xfrm>
-            <a:off x="4773891" y="3632201"/>
-            <a:ext cx="320399" cy="0"/>
-          </a:xfrm>
-          <a:prstGeom prst="straightConnector1">
-            <a:avLst/>
-          </a:prstGeom>
-          <a:ln>
-            <a:headEnd type="triangle"/>
-            <a:tailEnd type="triangle"/>
-          </a:ln>
-        </p:spPr>
-        <p:style>
-          <a:lnRef idx="1">
-            <a:schemeClr val="dk1"/>
-          </a:lnRef>
-          <a:fillRef idx="0">
-            <a:schemeClr val="dk1"/>
-          </a:fillRef>
-          <a:effectRef idx="0">
-            <a:schemeClr val="dk1"/>
-          </a:effectRef>
-          <a:fontRef idx="minor">
-            <a:schemeClr val="tx1"/>
-          </a:fontRef>
-        </p:style>
-      </p:cxnSp>
       <p:sp>
         <p:nvSpPr>
           <p:cNvPr id="80" name="Rectangle 79"/>
@@ -15559,13 +15455,8 @@
             </a:r>
             <a:r>
               <a:rPr lang="en-US" sz="600" dirty="0" smtClean="0"/>
-              <a:t>. Sensor</a:t>
+              <a:t>. Sensor Registration API’s</a:t>
             </a:r>
-            <a:r>
-              <a:rPr lang="en-US" sz="600" dirty="0" smtClean="0"/>
-              <a:t> Registration API’s</a:t>
-            </a:r>
-            <a:endParaRPr lang="en-US" sz="600" dirty="0" smtClean="0"/>
           </a:p>
           <a:p>
             <a:pPr algn="ctr">
@@ -15616,17 +15507,18 @@
           <p:cNvPr id="35" name="Elbow Connector 34"/>
           <p:cNvCxnSpPr>
             <a:stCxn id="54" idx="2"/>
-            <a:endCxn id="5" idx="3"/>
           </p:cNvCxnSpPr>
           <p:nvPr/>
         </p:nvCxnSpPr>
         <p:spPr>
-          <a:xfrm rot="5400000">
-            <a:off x="6280906" y="3233305"/>
-            <a:ext cx="344924" cy="617732"/>
-          </a:xfrm>
-          <a:prstGeom prst="bentConnector2">
-            <a:avLst/>
+          <a:xfrm rot="16200000" flipH="1">
+            <a:off x="6669419" y="3462524"/>
+            <a:ext cx="188140" cy="2510"/>
+          </a:xfrm>
+          <a:prstGeom prst="bentConnector3">
+            <a:avLst>
+              <a:gd name="adj1" fmla="val 50000"/>
+            </a:avLst>
           </a:prstGeom>
           <a:ln>
             <a:headEnd type="none"/>
@@ -15710,20 +15602,19 @@
           <p:cNvPr id="55" name="Straight Arrow Connector 54"/>
           <p:cNvCxnSpPr>
             <a:stCxn id="45" idx="2"/>
-            <a:endCxn id="5" idx="0"/>
           </p:cNvCxnSpPr>
           <p:nvPr/>
         </p:nvCxnSpPr>
         <p:spPr>
           <a:xfrm>
             <a:off x="5548719" y="2836316"/>
-            <a:ext cx="3170" cy="711210"/>
+            <a:ext cx="0" cy="711208"/>
           </a:xfrm>
           <a:prstGeom prst="straightConnector1">
             <a:avLst/>
           </a:prstGeom>
           <a:ln>
-            <a:headEnd type="triangle"/>
+            <a:headEnd type="none"/>
             <a:tailEnd type="triangle"/>
           </a:ln>
         </p:spPr>
@@ -15747,7 +15638,6 @@
           <p:cNvPr id="59" name="Straight Arrow Connector 58"/>
           <p:cNvCxnSpPr>
             <a:stCxn id="41" idx="2"/>
-            <a:endCxn id="75" idx="0"/>
           </p:cNvCxnSpPr>
           <p:nvPr/>
         </p:nvCxnSpPr>
@@ -15857,9 +15747,9 @@
           <p:nvPr/>
         </p:nvCxnSpPr>
         <p:spPr>
-          <a:xfrm>
-            <a:off x="6526373" y="1712319"/>
-            <a:ext cx="5957" cy="260621"/>
+          <a:xfrm flipH="1">
+            <a:off x="6526250" y="1712319"/>
+            <a:ext cx="123" cy="287907"/>
           </a:xfrm>
           <a:prstGeom prst="straightConnector1">
             <a:avLst/>
@@ -15921,19 +15811,17 @@
       <p:cxnSp>
         <p:nvCxnSpPr>
           <p:cNvPr id="91" name="Elbow Connector 90"/>
-          <p:cNvCxnSpPr>
-            <a:endCxn id="5" idx="3"/>
-          </p:cNvCxnSpPr>
+          <p:cNvCxnSpPr/>
           <p:nvPr/>
         </p:nvCxnSpPr>
         <p:spPr>
-          <a:xfrm rot="10800000" flipV="1">
-            <a:off x="6144503" y="2836243"/>
-            <a:ext cx="2030363" cy="878389"/>
+          <a:xfrm rot="5400000">
+            <a:off x="7839465" y="3201278"/>
+            <a:ext cx="708908" cy="12700"/>
           </a:xfrm>
           <a:prstGeom prst="bentConnector3">
             <a:avLst>
-              <a:gd name="adj1" fmla="val -457"/>
+              <a:gd name="adj1" fmla="val 50000"/>
             </a:avLst>
           </a:prstGeom>
           <a:ln>
@@ -15950,6 +15838,1014 @@
           </a:fillRef>
           <a:effectRef idx="0">
             <a:schemeClr val="dk1"/>
+          </a:effectRef>
+          <a:fontRef idx="minor">
+            <a:schemeClr val="tx1"/>
+          </a:fontRef>
+        </p:style>
+      </p:cxnSp>
+      <p:sp>
+        <p:nvSpPr>
+          <p:cNvPr id="65" name="TextBox 64"/>
+          <p:cNvSpPr txBox="1"/>
+          <p:nvPr/>
+        </p:nvSpPr>
+        <p:spPr>
+          <a:xfrm>
+            <a:off x="522275" y="5176244"/>
+            <a:ext cx="1601921" cy="430887"/>
+          </a:xfrm>
+          <a:prstGeom prst="rect">
+            <a:avLst/>
+          </a:prstGeom>
+          <a:noFill/>
+        </p:spPr>
+        <p:txBody>
+          <a:bodyPr wrap="none" rtlCol="0">
+            <a:spAutoFit/>
+          </a:bodyPr>
+          <a:lstStyle/>
+          <a:p>
+            <a:pPr algn="ctr"/>
+            <a:r>
+              <a:rPr lang="en-US" sz="1100" dirty="0" smtClean="0"/>
+              <a:t>Nervousnet CORE</a:t>
+            </a:r>
+          </a:p>
+          <a:p>
+            <a:pPr algn="ctr"/>
+            <a:r>
+              <a:rPr lang="en-US" sz="1100" dirty="0" smtClean="0"/>
+              <a:t>( Distributed Servers )</a:t>
+            </a:r>
+            <a:endParaRPr lang="en-US" sz="1100" dirty="0"/>
+          </a:p>
+        </p:txBody>
+      </p:sp>
+      <p:cxnSp>
+        <p:nvCxnSpPr>
+          <p:cNvPr id="75" name="Straight Connector 74"/>
+          <p:cNvCxnSpPr/>
+          <p:nvPr/>
+        </p:nvCxnSpPr>
+        <p:spPr>
+          <a:xfrm flipV="1">
+            <a:off x="1212539" y="3419557"/>
+            <a:ext cx="768791" cy="811954"/>
+          </a:xfrm>
+          <a:prstGeom prst="line">
+            <a:avLst/>
+          </a:prstGeom>
+          <a:solidFill>
+            <a:schemeClr val="tx1">
+              <a:lumMod val="50000"/>
+              <a:lumOff val="50000"/>
+            </a:schemeClr>
+          </a:solidFill>
+          <a:ln>
+            <a:solidFill>
+              <a:schemeClr val="bg1">
+                <a:lumMod val="75000"/>
+              </a:schemeClr>
+            </a:solidFill>
+          </a:ln>
+        </p:spPr>
+        <p:style>
+          <a:lnRef idx="1">
+            <a:schemeClr val="accent1"/>
+          </a:lnRef>
+          <a:fillRef idx="3">
+            <a:schemeClr val="accent1"/>
+          </a:fillRef>
+          <a:effectRef idx="2">
+            <a:schemeClr val="accent1"/>
+          </a:effectRef>
+          <a:fontRef idx="minor">
+            <a:schemeClr val="lt1"/>
+          </a:fontRef>
+        </p:style>
+      </p:cxnSp>
+      <p:cxnSp>
+        <p:nvCxnSpPr>
+          <p:cNvPr id="78" name="Straight Connector 77"/>
+          <p:cNvCxnSpPr>
+            <a:endCxn id="107" idx="3"/>
+          </p:cNvCxnSpPr>
+          <p:nvPr/>
+        </p:nvCxnSpPr>
+        <p:spPr>
+          <a:xfrm flipV="1">
+            <a:off x="1212539" y="3696668"/>
+            <a:ext cx="785366" cy="534843"/>
+          </a:xfrm>
+          <a:prstGeom prst="line">
+            <a:avLst/>
+          </a:prstGeom>
+          <a:ln w="6350" cap="rnd" cmpd="sng">
+            <a:solidFill>
+              <a:schemeClr val="bg1">
+                <a:lumMod val="75000"/>
+              </a:schemeClr>
+            </a:solidFill>
+            <a:prstDash val="sysDash"/>
+          </a:ln>
+        </p:spPr>
+        <p:style>
+          <a:lnRef idx="2">
+            <a:schemeClr val="accent1"/>
+          </a:lnRef>
+          <a:fillRef idx="0">
+            <a:schemeClr val="accent1"/>
+          </a:fillRef>
+          <a:effectRef idx="1">
+            <a:schemeClr val="accent1"/>
+          </a:effectRef>
+          <a:fontRef idx="minor">
+            <a:schemeClr val="tx1"/>
+          </a:fontRef>
+        </p:style>
+      </p:cxnSp>
+      <p:cxnSp>
+        <p:nvCxnSpPr>
+          <p:cNvPr id="79" name="Straight Connector 78"/>
+          <p:cNvCxnSpPr>
+            <a:stCxn id="114" idx="6"/>
+            <a:endCxn id="111" idx="2"/>
+          </p:cNvCxnSpPr>
+          <p:nvPr/>
+        </p:nvCxnSpPr>
+        <p:spPr>
+          <a:xfrm flipV="1">
+            <a:off x="1254472" y="4409935"/>
+            <a:ext cx="671817" cy="1660"/>
+          </a:xfrm>
+          <a:prstGeom prst="line">
+            <a:avLst/>
+          </a:prstGeom>
+          <a:ln w="6350" cap="rnd" cmpd="sng">
+            <a:solidFill>
+              <a:schemeClr val="bg1">
+                <a:lumMod val="75000"/>
+              </a:schemeClr>
+            </a:solidFill>
+            <a:prstDash val="sysDash"/>
+          </a:ln>
+        </p:spPr>
+        <p:style>
+          <a:lnRef idx="2">
+            <a:schemeClr val="accent1"/>
+          </a:lnRef>
+          <a:fillRef idx="0">
+            <a:schemeClr val="accent1"/>
+          </a:fillRef>
+          <a:effectRef idx="1">
+            <a:schemeClr val="accent1"/>
+          </a:effectRef>
+          <a:fontRef idx="minor">
+            <a:schemeClr val="tx1"/>
+          </a:fontRef>
+        </p:style>
+      </p:cxnSp>
+      <p:cxnSp>
+        <p:nvCxnSpPr>
+          <p:cNvPr id="88" name="Straight Connector 87"/>
+          <p:cNvCxnSpPr>
+            <a:stCxn id="111" idx="0"/>
+            <a:endCxn id="107" idx="4"/>
+          </p:cNvCxnSpPr>
+          <p:nvPr/>
+        </p:nvCxnSpPr>
+        <p:spPr>
+          <a:xfrm flipV="1">
+            <a:off x="2154889" y="3767159"/>
+            <a:ext cx="4661" cy="402106"/>
+          </a:xfrm>
+          <a:prstGeom prst="line">
+            <a:avLst/>
+          </a:prstGeom>
+          <a:ln w="6350" cap="rnd" cmpd="sng">
+            <a:solidFill>
+              <a:schemeClr val="bg1">
+                <a:lumMod val="75000"/>
+              </a:schemeClr>
+            </a:solidFill>
+            <a:prstDash val="sysDash"/>
+          </a:ln>
+        </p:spPr>
+        <p:style>
+          <a:lnRef idx="2">
+            <a:schemeClr val="accent1"/>
+          </a:lnRef>
+          <a:fillRef idx="0">
+            <a:schemeClr val="accent1"/>
+          </a:fillRef>
+          <a:effectRef idx="1">
+            <a:schemeClr val="accent1"/>
+          </a:effectRef>
+          <a:fontRef idx="minor">
+            <a:schemeClr val="tx1"/>
+          </a:fontRef>
+        </p:style>
+      </p:cxnSp>
+      <p:cxnSp>
+        <p:nvCxnSpPr>
+          <p:cNvPr id="90" name="Straight Connector 89"/>
+          <p:cNvCxnSpPr>
+            <a:endCxn id="104" idx="4"/>
+          </p:cNvCxnSpPr>
+          <p:nvPr/>
+        </p:nvCxnSpPr>
+        <p:spPr>
+          <a:xfrm flipV="1">
+            <a:off x="1011459" y="3780212"/>
+            <a:ext cx="0" cy="389053"/>
+          </a:xfrm>
+          <a:prstGeom prst="line">
+            <a:avLst/>
+          </a:prstGeom>
+          <a:ln w="6350" cap="rnd" cmpd="sng">
+            <a:solidFill>
+              <a:schemeClr val="bg1">
+                <a:lumMod val="75000"/>
+              </a:schemeClr>
+            </a:solidFill>
+            <a:prstDash val="sysDash"/>
+          </a:ln>
+        </p:spPr>
+        <p:style>
+          <a:lnRef idx="2">
+            <a:schemeClr val="accent1"/>
+          </a:lnRef>
+          <a:fillRef idx="0">
+            <a:schemeClr val="accent1"/>
+          </a:fillRef>
+          <a:effectRef idx="1">
+            <a:schemeClr val="accent1"/>
+          </a:effectRef>
+          <a:fontRef idx="minor">
+            <a:schemeClr val="tx1"/>
+          </a:fontRef>
+        </p:style>
+      </p:cxnSp>
+      <p:grpSp>
+        <p:nvGrpSpPr>
+          <p:cNvPr id="95" name="Group 94"/>
+          <p:cNvGrpSpPr/>
+          <p:nvPr/>
+        </p:nvGrpSpPr>
+        <p:grpSpPr>
+          <a:xfrm>
+            <a:off x="1362816" y="2705386"/>
+            <a:ext cx="457200" cy="481340"/>
+            <a:chOff x="5029201" y="1950712"/>
+            <a:chExt cx="457200" cy="481340"/>
+          </a:xfrm>
+        </p:grpSpPr>
+        <p:sp>
+          <p:nvSpPr>
+            <p:cNvPr id="97" name="Donut 96"/>
+            <p:cNvSpPr/>
+            <p:nvPr/>
+          </p:nvSpPr>
+          <p:spPr>
+            <a:xfrm>
+              <a:off x="5029201" y="1950712"/>
+              <a:ext cx="457200" cy="481340"/>
+            </a:xfrm>
+            <a:prstGeom prst="donut">
+              <a:avLst>
+                <a:gd name="adj" fmla="val 6667"/>
+              </a:avLst>
+            </a:prstGeom>
+            <a:solidFill>
+              <a:schemeClr val="tx1">
+                <a:lumMod val="50000"/>
+                <a:lumOff val="50000"/>
+              </a:schemeClr>
+            </a:solidFill>
+            <a:ln>
+              <a:solidFill>
+                <a:schemeClr val="tx1">
+                  <a:lumMod val="50000"/>
+                  <a:lumOff val="50000"/>
+                </a:schemeClr>
+              </a:solidFill>
+            </a:ln>
+          </p:spPr>
+          <p:style>
+            <a:lnRef idx="1">
+              <a:schemeClr val="accent1"/>
+            </a:lnRef>
+            <a:fillRef idx="3">
+              <a:schemeClr val="accent1"/>
+            </a:fillRef>
+            <a:effectRef idx="2">
+              <a:schemeClr val="accent1"/>
+            </a:effectRef>
+            <a:fontRef idx="minor">
+              <a:schemeClr val="lt1"/>
+            </a:fontRef>
+          </p:style>
+          <p:txBody>
+            <a:bodyPr rtlCol="0" anchor="ctr"/>
+            <a:lstStyle/>
+            <a:p>
+              <a:pPr algn="ctr"/>
+              <a:endParaRPr lang="en-US">
+                <a:solidFill>
+                  <a:schemeClr val="tx1"/>
+                </a:solidFill>
+              </a:endParaRPr>
+            </a:p>
+          </p:txBody>
+        </p:sp>
+        <p:pic>
+          <p:nvPicPr>
+            <p:cNvPr id="101" name="Picture 100"/>
+            <p:cNvPicPr>
+              <a:picLocks noChangeAspect="1"/>
+            </p:cNvPicPr>
+            <p:nvPr/>
+          </p:nvPicPr>
+          <p:blipFill>
+            <a:blip r:embed="rId4"/>
+            <a:stretch>
+              <a:fillRect/>
+            </a:stretch>
+          </p:blipFill>
+          <p:spPr>
+            <a:xfrm>
+              <a:off x="5105405" y="2036197"/>
+              <a:ext cx="296762" cy="296762"/>
+            </a:xfrm>
+            <a:prstGeom prst="rect">
+              <a:avLst/>
+            </a:prstGeom>
+            <a:effectLst>
+              <a:outerShdw blurRad="50800" dist="38100" dir="2700000" algn="tl" rotWithShape="0">
+                <a:srgbClr val="000000">
+                  <a:alpha val="43000"/>
+                </a:srgbClr>
+              </a:outerShdw>
+            </a:effectLst>
+          </p:spPr>
+        </p:pic>
+      </p:grpSp>
+      <p:grpSp>
+        <p:nvGrpSpPr>
+          <p:cNvPr id="102" name="Group 101"/>
+          <p:cNvGrpSpPr/>
+          <p:nvPr/>
+        </p:nvGrpSpPr>
+        <p:grpSpPr>
+          <a:xfrm>
+            <a:off x="782859" y="3298872"/>
+            <a:ext cx="457200" cy="481340"/>
+            <a:chOff x="5029201" y="1950712"/>
+            <a:chExt cx="457200" cy="481340"/>
+          </a:xfrm>
+        </p:grpSpPr>
+        <p:sp>
+          <p:nvSpPr>
+            <p:cNvPr id="104" name="Donut 103"/>
+            <p:cNvSpPr/>
+            <p:nvPr/>
+          </p:nvSpPr>
+          <p:spPr>
+            <a:xfrm>
+              <a:off x="5029201" y="1950712"/>
+              <a:ext cx="457200" cy="481340"/>
+            </a:xfrm>
+            <a:prstGeom prst="donut">
+              <a:avLst>
+                <a:gd name="adj" fmla="val 6667"/>
+              </a:avLst>
+            </a:prstGeom>
+            <a:solidFill>
+              <a:schemeClr val="tx1">
+                <a:lumMod val="50000"/>
+                <a:lumOff val="50000"/>
+              </a:schemeClr>
+            </a:solidFill>
+            <a:ln>
+              <a:solidFill>
+                <a:schemeClr val="tx1">
+                  <a:lumMod val="50000"/>
+                  <a:lumOff val="50000"/>
+                </a:schemeClr>
+              </a:solidFill>
+            </a:ln>
+          </p:spPr>
+          <p:style>
+            <a:lnRef idx="1">
+              <a:schemeClr val="accent1"/>
+            </a:lnRef>
+            <a:fillRef idx="3">
+              <a:schemeClr val="accent1"/>
+            </a:fillRef>
+            <a:effectRef idx="2">
+              <a:schemeClr val="accent1"/>
+            </a:effectRef>
+            <a:fontRef idx="minor">
+              <a:schemeClr val="lt1"/>
+            </a:fontRef>
+          </p:style>
+          <p:txBody>
+            <a:bodyPr rtlCol="0" anchor="ctr"/>
+            <a:lstStyle/>
+            <a:p>
+              <a:pPr algn="ctr"/>
+              <a:endParaRPr lang="en-US">
+                <a:solidFill>
+                  <a:schemeClr val="tx1"/>
+                </a:solidFill>
+              </a:endParaRPr>
+            </a:p>
+          </p:txBody>
+        </p:sp>
+        <p:pic>
+          <p:nvPicPr>
+            <p:cNvPr id="105" name="Picture 104"/>
+            <p:cNvPicPr>
+              <a:picLocks noChangeAspect="1"/>
+            </p:cNvPicPr>
+            <p:nvPr/>
+          </p:nvPicPr>
+          <p:blipFill>
+            <a:blip r:embed="rId4"/>
+            <a:stretch>
+              <a:fillRect/>
+            </a:stretch>
+          </p:blipFill>
+          <p:spPr>
+            <a:xfrm>
+              <a:off x="5105405" y="2036197"/>
+              <a:ext cx="296762" cy="296762"/>
+            </a:xfrm>
+            <a:prstGeom prst="rect">
+              <a:avLst/>
+            </a:prstGeom>
+            <a:effectLst>
+              <a:outerShdw blurRad="50800" dist="38100" dir="2700000" algn="tl" rotWithShape="0">
+                <a:srgbClr val="000000">
+                  <a:alpha val="43000"/>
+                </a:srgbClr>
+              </a:outerShdw>
+            </a:effectLst>
+          </p:spPr>
+        </p:pic>
+      </p:grpSp>
+      <p:grpSp>
+        <p:nvGrpSpPr>
+          <p:cNvPr id="106" name="Group 105"/>
+          <p:cNvGrpSpPr/>
+          <p:nvPr/>
+        </p:nvGrpSpPr>
+        <p:grpSpPr>
+          <a:xfrm>
+            <a:off x="1930950" y="3285819"/>
+            <a:ext cx="457200" cy="481340"/>
+            <a:chOff x="5029201" y="1950712"/>
+            <a:chExt cx="457200" cy="481340"/>
+          </a:xfrm>
+        </p:grpSpPr>
+        <p:sp>
+          <p:nvSpPr>
+            <p:cNvPr id="107" name="Donut 106"/>
+            <p:cNvSpPr/>
+            <p:nvPr/>
+          </p:nvSpPr>
+          <p:spPr>
+            <a:xfrm>
+              <a:off x="5029201" y="1950712"/>
+              <a:ext cx="457200" cy="481340"/>
+            </a:xfrm>
+            <a:prstGeom prst="donut">
+              <a:avLst>
+                <a:gd name="adj" fmla="val 6667"/>
+              </a:avLst>
+            </a:prstGeom>
+            <a:solidFill>
+              <a:schemeClr val="tx1">
+                <a:lumMod val="50000"/>
+                <a:lumOff val="50000"/>
+              </a:schemeClr>
+            </a:solidFill>
+            <a:ln>
+              <a:solidFill>
+                <a:schemeClr val="tx1">
+                  <a:lumMod val="50000"/>
+                  <a:lumOff val="50000"/>
+                </a:schemeClr>
+              </a:solidFill>
+            </a:ln>
+          </p:spPr>
+          <p:style>
+            <a:lnRef idx="1">
+              <a:schemeClr val="accent1"/>
+            </a:lnRef>
+            <a:fillRef idx="3">
+              <a:schemeClr val="accent1"/>
+            </a:fillRef>
+            <a:effectRef idx="2">
+              <a:schemeClr val="accent1"/>
+            </a:effectRef>
+            <a:fontRef idx="minor">
+              <a:schemeClr val="lt1"/>
+            </a:fontRef>
+          </p:style>
+          <p:txBody>
+            <a:bodyPr rtlCol="0" anchor="ctr"/>
+            <a:lstStyle/>
+            <a:p>
+              <a:pPr algn="ctr"/>
+              <a:endParaRPr lang="en-US">
+                <a:solidFill>
+                  <a:schemeClr val="tx1"/>
+                </a:solidFill>
+              </a:endParaRPr>
+            </a:p>
+          </p:txBody>
+        </p:sp>
+        <p:pic>
+          <p:nvPicPr>
+            <p:cNvPr id="108" name="Picture 107"/>
+            <p:cNvPicPr>
+              <a:picLocks noChangeAspect="1"/>
+            </p:cNvPicPr>
+            <p:nvPr/>
+          </p:nvPicPr>
+          <p:blipFill>
+            <a:blip r:embed="rId4"/>
+            <a:stretch>
+              <a:fillRect/>
+            </a:stretch>
+          </p:blipFill>
+          <p:spPr>
+            <a:xfrm>
+              <a:off x="5105405" y="2036197"/>
+              <a:ext cx="296762" cy="296762"/>
+            </a:xfrm>
+            <a:prstGeom prst="rect">
+              <a:avLst/>
+            </a:prstGeom>
+            <a:effectLst>
+              <a:outerShdw blurRad="50800" dist="38100" dir="2700000" algn="tl" rotWithShape="0">
+                <a:srgbClr val="000000">
+                  <a:alpha val="43000"/>
+                </a:srgbClr>
+              </a:outerShdw>
+            </a:effectLst>
+          </p:spPr>
+        </p:pic>
+      </p:grpSp>
+      <p:grpSp>
+        <p:nvGrpSpPr>
+          <p:cNvPr id="110" name="Group 109"/>
+          <p:cNvGrpSpPr/>
+          <p:nvPr/>
+        </p:nvGrpSpPr>
+        <p:grpSpPr>
+          <a:xfrm>
+            <a:off x="1926289" y="4169265"/>
+            <a:ext cx="457200" cy="481340"/>
+            <a:chOff x="5029201" y="1950712"/>
+            <a:chExt cx="457200" cy="481340"/>
+          </a:xfrm>
+        </p:grpSpPr>
+        <p:sp>
+          <p:nvSpPr>
+            <p:cNvPr id="111" name="Donut 110"/>
+            <p:cNvSpPr/>
+            <p:nvPr/>
+          </p:nvSpPr>
+          <p:spPr>
+            <a:xfrm>
+              <a:off x="5029201" y="1950712"/>
+              <a:ext cx="457200" cy="481340"/>
+            </a:xfrm>
+            <a:prstGeom prst="donut">
+              <a:avLst>
+                <a:gd name="adj" fmla="val 6667"/>
+              </a:avLst>
+            </a:prstGeom>
+            <a:solidFill>
+              <a:schemeClr val="tx1">
+                <a:lumMod val="50000"/>
+                <a:lumOff val="50000"/>
+              </a:schemeClr>
+            </a:solidFill>
+            <a:ln>
+              <a:solidFill>
+                <a:schemeClr val="tx1">
+                  <a:lumMod val="50000"/>
+                  <a:lumOff val="50000"/>
+                </a:schemeClr>
+              </a:solidFill>
+            </a:ln>
+          </p:spPr>
+          <p:style>
+            <a:lnRef idx="1">
+              <a:schemeClr val="accent1"/>
+            </a:lnRef>
+            <a:fillRef idx="3">
+              <a:schemeClr val="accent1"/>
+            </a:fillRef>
+            <a:effectRef idx="2">
+              <a:schemeClr val="accent1"/>
+            </a:effectRef>
+            <a:fontRef idx="minor">
+              <a:schemeClr val="lt1"/>
+            </a:fontRef>
+          </p:style>
+          <p:txBody>
+            <a:bodyPr rtlCol="0" anchor="ctr"/>
+            <a:lstStyle/>
+            <a:p>
+              <a:pPr algn="ctr"/>
+              <a:endParaRPr lang="en-US">
+                <a:solidFill>
+                  <a:schemeClr val="tx1"/>
+                </a:solidFill>
+              </a:endParaRPr>
+            </a:p>
+          </p:txBody>
+        </p:sp>
+        <p:pic>
+          <p:nvPicPr>
+            <p:cNvPr id="112" name="Picture 111"/>
+            <p:cNvPicPr>
+              <a:picLocks noChangeAspect="1"/>
+            </p:cNvPicPr>
+            <p:nvPr/>
+          </p:nvPicPr>
+          <p:blipFill>
+            <a:blip r:embed="rId4"/>
+            <a:stretch>
+              <a:fillRect/>
+            </a:stretch>
+          </p:blipFill>
+          <p:spPr>
+            <a:xfrm>
+              <a:off x="5105405" y="2036197"/>
+              <a:ext cx="296762" cy="296762"/>
+            </a:xfrm>
+            <a:prstGeom prst="rect">
+              <a:avLst/>
+            </a:prstGeom>
+            <a:effectLst>
+              <a:outerShdw blurRad="50800" dist="38100" dir="2700000" algn="tl" rotWithShape="0">
+                <a:srgbClr val="000000">
+                  <a:alpha val="43000"/>
+                </a:srgbClr>
+              </a:outerShdw>
+            </a:effectLst>
+          </p:spPr>
+        </p:pic>
+      </p:grpSp>
+      <p:grpSp>
+        <p:nvGrpSpPr>
+          <p:cNvPr id="113" name="Group 112"/>
+          <p:cNvGrpSpPr/>
+          <p:nvPr/>
+        </p:nvGrpSpPr>
+        <p:grpSpPr>
+          <a:xfrm>
+            <a:off x="797272" y="4170925"/>
+            <a:ext cx="457200" cy="481340"/>
+            <a:chOff x="5029201" y="1950712"/>
+            <a:chExt cx="457200" cy="481340"/>
+          </a:xfrm>
+        </p:grpSpPr>
+        <p:sp>
+          <p:nvSpPr>
+            <p:cNvPr id="114" name="Donut 113"/>
+            <p:cNvSpPr/>
+            <p:nvPr/>
+          </p:nvSpPr>
+          <p:spPr>
+            <a:xfrm>
+              <a:off x="5029201" y="1950712"/>
+              <a:ext cx="457200" cy="481340"/>
+            </a:xfrm>
+            <a:prstGeom prst="donut">
+              <a:avLst>
+                <a:gd name="adj" fmla="val 6667"/>
+              </a:avLst>
+            </a:prstGeom>
+            <a:solidFill>
+              <a:schemeClr val="tx1">
+                <a:lumMod val="50000"/>
+                <a:lumOff val="50000"/>
+              </a:schemeClr>
+            </a:solidFill>
+            <a:ln>
+              <a:solidFill>
+                <a:schemeClr val="tx1">
+                  <a:lumMod val="50000"/>
+                  <a:lumOff val="50000"/>
+                </a:schemeClr>
+              </a:solidFill>
+            </a:ln>
+          </p:spPr>
+          <p:style>
+            <a:lnRef idx="1">
+              <a:schemeClr val="accent1"/>
+            </a:lnRef>
+            <a:fillRef idx="3">
+              <a:schemeClr val="accent1"/>
+            </a:fillRef>
+            <a:effectRef idx="2">
+              <a:schemeClr val="accent1"/>
+            </a:effectRef>
+            <a:fontRef idx="minor">
+              <a:schemeClr val="lt1"/>
+            </a:fontRef>
+          </p:style>
+          <p:txBody>
+            <a:bodyPr rtlCol="0" anchor="ctr"/>
+            <a:lstStyle/>
+            <a:p>
+              <a:pPr algn="ctr"/>
+              <a:endParaRPr lang="en-US">
+                <a:solidFill>
+                  <a:schemeClr val="tx1"/>
+                </a:solidFill>
+              </a:endParaRPr>
+            </a:p>
+          </p:txBody>
+        </p:sp>
+        <p:pic>
+          <p:nvPicPr>
+            <p:cNvPr id="115" name="Picture 114"/>
+            <p:cNvPicPr>
+              <a:picLocks noChangeAspect="1"/>
+            </p:cNvPicPr>
+            <p:nvPr/>
+          </p:nvPicPr>
+          <p:blipFill>
+            <a:blip r:embed="rId4"/>
+            <a:stretch>
+              <a:fillRect/>
+            </a:stretch>
+          </p:blipFill>
+          <p:spPr>
+            <a:xfrm>
+              <a:off x="5105405" y="2036197"/>
+              <a:ext cx="296762" cy="296762"/>
+            </a:xfrm>
+            <a:prstGeom prst="rect">
+              <a:avLst/>
+            </a:prstGeom>
+            <a:effectLst>
+              <a:outerShdw blurRad="50800" dist="38100" dir="2700000" algn="tl" rotWithShape="0">
+                <a:srgbClr val="000000">
+                  <a:alpha val="43000"/>
+                </a:srgbClr>
+              </a:outerShdw>
+            </a:effectLst>
+          </p:spPr>
+        </p:pic>
+      </p:grpSp>
+      <p:cxnSp>
+        <p:nvCxnSpPr>
+          <p:cNvPr id="116" name="Straight Connector 115"/>
+          <p:cNvCxnSpPr>
+            <a:stCxn id="97" idx="5"/>
+            <a:endCxn id="107" idx="1"/>
+          </p:cNvCxnSpPr>
+          <p:nvPr/>
+        </p:nvCxnSpPr>
+        <p:spPr>
+          <a:xfrm>
+            <a:off x="1753061" y="3116235"/>
+            <a:ext cx="244844" cy="240075"/>
+          </a:xfrm>
+          <a:prstGeom prst="line">
+            <a:avLst/>
+          </a:prstGeom>
+          <a:ln w="6350" cap="rnd" cmpd="sng">
+            <a:solidFill>
+              <a:schemeClr val="bg1">
+                <a:lumMod val="75000"/>
+              </a:schemeClr>
+            </a:solidFill>
+            <a:prstDash val="sysDash"/>
+          </a:ln>
+        </p:spPr>
+        <p:style>
+          <a:lnRef idx="2">
+            <a:schemeClr val="accent1"/>
+          </a:lnRef>
+          <a:fillRef idx="0">
+            <a:schemeClr val="accent1"/>
+          </a:fillRef>
+          <a:effectRef idx="1">
+            <a:schemeClr val="accent1"/>
+          </a:effectRef>
+          <a:fontRef idx="minor">
+            <a:schemeClr val="tx1"/>
+          </a:fontRef>
+        </p:style>
+      </p:cxnSp>
+      <p:cxnSp>
+        <p:nvCxnSpPr>
+          <p:cNvPr id="117" name="Straight Connector 116"/>
+          <p:cNvCxnSpPr>
+            <a:stCxn id="97" idx="3"/>
+            <a:endCxn id="104" idx="7"/>
+          </p:cNvCxnSpPr>
+          <p:nvPr/>
+        </p:nvCxnSpPr>
+        <p:spPr>
+          <a:xfrm flipH="1">
+            <a:off x="1173104" y="3116235"/>
+            <a:ext cx="256667" cy="253128"/>
+          </a:xfrm>
+          <a:prstGeom prst="line">
+            <a:avLst/>
+          </a:prstGeom>
+          <a:ln w="6350" cap="rnd" cmpd="sng">
+            <a:solidFill>
+              <a:schemeClr val="bg1">
+                <a:lumMod val="75000"/>
+              </a:schemeClr>
+            </a:solidFill>
+            <a:prstDash val="sysDash"/>
+          </a:ln>
+        </p:spPr>
+        <p:style>
+          <a:lnRef idx="2">
+            <a:schemeClr val="accent1"/>
+          </a:lnRef>
+          <a:fillRef idx="0">
+            <a:schemeClr val="accent1"/>
+          </a:fillRef>
+          <a:effectRef idx="1">
+            <a:schemeClr val="accent1"/>
+          </a:effectRef>
+          <a:fontRef idx="minor">
+            <a:schemeClr val="tx1"/>
+          </a:fontRef>
+        </p:style>
+      </p:cxnSp>
+      <p:cxnSp>
+        <p:nvCxnSpPr>
+          <p:cNvPr id="118" name="Straight Connector 117"/>
+          <p:cNvCxnSpPr>
+            <a:stCxn id="111" idx="1"/>
+            <a:endCxn id="104" idx="5"/>
+          </p:cNvCxnSpPr>
+          <p:nvPr/>
+        </p:nvCxnSpPr>
+        <p:spPr>
+          <a:xfrm flipH="1" flipV="1">
+            <a:off x="1173104" y="3709721"/>
+            <a:ext cx="820140" cy="530035"/>
+          </a:xfrm>
+          <a:prstGeom prst="line">
+            <a:avLst/>
+          </a:prstGeom>
+          <a:ln w="6350" cap="rnd" cmpd="sng">
+            <a:solidFill>
+              <a:schemeClr val="bg1">
+                <a:lumMod val="75000"/>
+              </a:schemeClr>
+            </a:solidFill>
+            <a:prstDash val="sysDash"/>
+          </a:ln>
+        </p:spPr>
+        <p:style>
+          <a:lnRef idx="2">
+            <a:schemeClr val="accent1"/>
+          </a:lnRef>
+          <a:fillRef idx="0">
+            <a:schemeClr val="accent1"/>
+          </a:fillRef>
+          <a:effectRef idx="1">
+            <a:schemeClr val="accent1"/>
+          </a:effectRef>
+          <a:fontRef idx="minor">
+            <a:schemeClr val="tx1"/>
+          </a:fontRef>
+        </p:style>
+      </p:cxnSp>
+      <p:cxnSp>
+        <p:nvCxnSpPr>
+          <p:cNvPr id="119" name="Straight Connector 118"/>
+          <p:cNvCxnSpPr>
+            <a:endCxn id="97" idx="4"/>
+          </p:cNvCxnSpPr>
+          <p:nvPr/>
+        </p:nvCxnSpPr>
+        <p:spPr>
+          <a:xfrm flipV="1">
+            <a:off x="1161737" y="3186726"/>
+            <a:ext cx="429679" cy="1168014"/>
+          </a:xfrm>
+          <a:prstGeom prst="line">
+            <a:avLst/>
+          </a:prstGeom>
+          <a:ln w="6350" cap="rnd" cmpd="sng">
+            <a:solidFill>
+              <a:schemeClr val="bg1">
+                <a:lumMod val="75000"/>
+              </a:schemeClr>
+            </a:solidFill>
+            <a:prstDash val="sysDash"/>
+          </a:ln>
+        </p:spPr>
+        <p:style>
+          <a:lnRef idx="2">
+            <a:schemeClr val="accent1"/>
+          </a:lnRef>
+          <a:fillRef idx="0">
+            <a:schemeClr val="accent1"/>
+          </a:fillRef>
+          <a:effectRef idx="1">
+            <a:schemeClr val="accent1"/>
+          </a:effectRef>
+          <a:fontRef idx="minor">
+            <a:schemeClr val="tx1"/>
+          </a:fontRef>
+        </p:style>
+      </p:cxnSp>
+      <p:cxnSp>
+        <p:nvCxnSpPr>
+          <p:cNvPr id="120" name="Straight Connector 119"/>
+          <p:cNvCxnSpPr>
+            <a:stCxn id="111" idx="1"/>
+            <a:endCxn id="97" idx="4"/>
+          </p:cNvCxnSpPr>
+          <p:nvPr/>
+        </p:nvCxnSpPr>
+        <p:spPr>
+          <a:xfrm flipH="1" flipV="1">
+            <a:off x="1591416" y="3186726"/>
+            <a:ext cx="401828" cy="1053030"/>
+          </a:xfrm>
+          <a:prstGeom prst="line">
+            <a:avLst/>
+          </a:prstGeom>
+          <a:ln w="6350" cap="rnd" cmpd="sng">
+            <a:solidFill>
+              <a:schemeClr val="bg1">
+                <a:lumMod val="75000"/>
+              </a:schemeClr>
+            </a:solidFill>
+            <a:prstDash val="sysDash"/>
+          </a:ln>
+        </p:spPr>
+        <p:style>
+          <a:lnRef idx="2">
+            <a:schemeClr val="accent1"/>
+          </a:lnRef>
+          <a:fillRef idx="0">
+            <a:schemeClr val="accent1"/>
+          </a:fillRef>
+          <a:effectRef idx="1">
+            <a:schemeClr val="accent1"/>
+          </a:effectRef>
+          <a:fontRef idx="minor">
+            <a:schemeClr val="tx1"/>
+          </a:fontRef>
+        </p:style>
+      </p:cxnSp>
+      <p:cxnSp>
+        <p:nvCxnSpPr>
+          <p:cNvPr id="121" name="Straight Connector 120"/>
+          <p:cNvCxnSpPr>
+            <a:stCxn id="104" idx="6"/>
+            <a:endCxn id="107" idx="2"/>
+          </p:cNvCxnSpPr>
+          <p:nvPr/>
+        </p:nvCxnSpPr>
+        <p:spPr>
+          <a:xfrm flipV="1">
+            <a:off x="1240059" y="3526489"/>
+            <a:ext cx="690891" cy="13053"/>
+          </a:xfrm>
+          <a:prstGeom prst="line">
+            <a:avLst/>
+          </a:prstGeom>
+          <a:ln w="6350" cap="rnd" cmpd="sng">
+            <a:solidFill>
+              <a:schemeClr val="bg1">
+                <a:lumMod val="75000"/>
+              </a:schemeClr>
+            </a:solidFill>
+            <a:prstDash val="sysDash"/>
+          </a:ln>
+        </p:spPr>
+        <p:style>
+          <a:lnRef idx="2">
+            <a:schemeClr val="accent1"/>
+          </a:lnRef>
+          <a:fillRef idx="0">
+            <a:schemeClr val="accent1"/>
+          </a:fillRef>
+          <a:effectRef idx="1">
+            <a:schemeClr val="accent1"/>
           </a:effectRef>
           <a:fontRef idx="minor">
             <a:schemeClr val="tx1"/>

--- a/Documents/Architecture/nervousnet.pptx
+++ b/Documents/Architecture/nervousnet.pptx
@@ -5,16 +5,17 @@
     <p:sldMasterId id="2147483677" r:id="rId1"/>
   </p:sldMasterIdLst>
   <p:notesMasterIdLst>
-    <p:notesMasterId r:id="rId6"/>
+    <p:notesMasterId r:id="rId7"/>
   </p:notesMasterIdLst>
   <p:handoutMasterIdLst>
-    <p:handoutMasterId r:id="rId7"/>
+    <p:handoutMasterId r:id="rId8"/>
   </p:handoutMasterIdLst>
   <p:sldIdLst>
     <p:sldId id="256" r:id="rId2"/>
     <p:sldId id="257" r:id="rId3"/>
     <p:sldId id="285" r:id="rId4"/>
-    <p:sldId id="258" r:id="rId5"/>
+    <p:sldId id="286" r:id="rId5"/>
+    <p:sldId id="258" r:id="rId6"/>
   </p:sldIdLst>
   <p:sldSz cx="9144000" cy="5143500" type="screen16x9"/>
   <p:notesSz cx="6858000" cy="9144000"/>
@@ -3697,7 +3698,7 @@
           <a:p>
             <a:fld id="{E29EADBD-8C2A-0E4C-92CE-5EBFF6224A3A}" type="datetime1">
               <a:rPr lang="en-US" smtClean="0"/>
-              <a:t>01/04/16</a:t>
+              <a:t>04/04/16</a:t>
             </a:fld>
             <a:endParaRPr lang="en-US"/>
           </a:p>
@@ -3867,7 +3868,7 @@
           <a:p>
             <a:fld id="{00A2197B-82DA-B840-975D-6BA3EE4C2DC8}" type="datetime1">
               <a:rPr lang="en-US" smtClean="0"/>
-              <a:t>01/04/16</a:t>
+              <a:t>04/04/16</a:t>
             </a:fld>
             <a:endParaRPr lang="en-US"/>
           </a:p>
@@ -4392,6 +4393,90 @@
 </p:notes>
 </file>
 
+<file path=ppt/notesSlides/notesSlide4.xml><?xml version="1.0" encoding="utf-8"?>
+<p:notes xmlns:a="http://schemas.openxmlformats.org/drawingml/2006/main" xmlns:r="http://schemas.openxmlformats.org/officeDocument/2006/relationships" xmlns:p="http://schemas.openxmlformats.org/presentationml/2006/main">
+  <p:cSld>
+    <p:spTree>
+      <p:nvGrpSpPr>
+        <p:cNvPr id="1" name=""/>
+        <p:cNvGrpSpPr/>
+        <p:nvPr/>
+      </p:nvGrpSpPr>
+      <p:grpSpPr>
+        <a:xfrm>
+          <a:off x="0" y="0"/>
+          <a:ext cx="0" cy="0"/>
+          <a:chOff x="0" y="0"/>
+          <a:chExt cx="0" cy="0"/>
+        </a:xfrm>
+      </p:grpSpPr>
+      <p:sp>
+        <p:nvSpPr>
+          <p:cNvPr id="2" name="Slide Image Placeholder 1"/>
+          <p:cNvSpPr>
+            <a:spLocks noGrp="1" noRot="1" noChangeAspect="1"/>
+          </p:cNvSpPr>
+          <p:nvPr>
+            <p:ph type="sldImg"/>
+          </p:nvPr>
+        </p:nvSpPr>
+        <p:spPr/>
+      </p:sp>
+      <p:sp>
+        <p:nvSpPr>
+          <p:cNvPr id="3" name="Notes Placeholder 2"/>
+          <p:cNvSpPr>
+            <a:spLocks noGrp="1"/>
+          </p:cNvSpPr>
+          <p:nvPr>
+            <p:ph type="body" idx="1"/>
+          </p:nvPr>
+        </p:nvSpPr>
+        <p:spPr/>
+        <p:txBody>
+          <a:bodyPr/>
+          <a:lstStyle/>
+          <a:p>
+            <a:endParaRPr lang="en-US"/>
+          </a:p>
+        </p:txBody>
+      </p:sp>
+      <p:sp>
+        <p:nvSpPr>
+          <p:cNvPr id="4" name="Footer Placeholder 3"/>
+          <p:cNvSpPr>
+            <a:spLocks noGrp="1"/>
+          </p:cNvSpPr>
+          <p:nvPr>
+            <p:ph type="ftr" sz="quarter" idx="10"/>
+          </p:nvPr>
+        </p:nvSpPr>
+        <p:spPr/>
+        <p:txBody>
+          <a:bodyPr/>
+          <a:lstStyle/>
+          <a:p>
+            <a:r>
+              <a:rPr lang="en-US" smtClean="0"/>
+              <a:t>© ETH Zürich, COSS </a:t>
+            </a:r>
+            <a:endParaRPr lang="en-US"/>
+          </a:p>
+        </p:txBody>
+      </p:sp>
+    </p:spTree>
+    <p:extLst>
+      <p:ext uri="{BB962C8B-B14F-4D97-AF65-F5344CB8AC3E}">
+        <p14:creationId xmlns:p14="http://schemas.microsoft.com/office/powerpoint/2010/main" val="2107008443"/>
+      </p:ext>
+    </p:extLst>
+  </p:cSld>
+  <p:clrMapOvr>
+    <a:masterClrMapping/>
+  </p:clrMapOvr>
+</p:notes>
+</file>
+
 <file path=ppt/slideLayouts/slideLayout1.xml><?xml version="1.0" encoding="utf-8"?>
 <p:sldLayout xmlns:a="http://schemas.openxmlformats.org/drawingml/2006/main" xmlns:r="http://schemas.openxmlformats.org/officeDocument/2006/relationships" xmlns:p="http://schemas.openxmlformats.org/presentationml/2006/main" type="title" preserve="1">
   <p:cSld name="Title Slide">
@@ -4611,7 +4696,7 @@
           <a:p>
             <a:fld id="{D9367090-103A-FA49-A3B4-31066D77167B}" type="datetime1">
               <a:rPr lang="en-US" smtClean="0"/>
-              <a:t>01/04/16</a:t>
+              <a:t>04/04/16</a:t>
             </a:fld>
             <a:endParaRPr lang="en-US"/>
           </a:p>
@@ -4936,7 +5021,7 @@
           <a:p>
             <a:fld id="{ABC2C74B-38EB-6142-981A-F4874F5C558C}" type="datetime1">
               <a:rPr lang="en-US" smtClean="0"/>
-              <a:t>01/04/16</a:t>
+              <a:t>04/04/16</a:t>
             </a:fld>
             <a:endParaRPr lang="en-US"/>
           </a:p>
@@ -5217,7 +5302,7 @@
           <a:p>
             <a:fld id="{2E308B6A-9F4E-B64E-B36C-0598F402E0B0}" type="datetime1">
               <a:rPr lang="en-US" smtClean="0"/>
-              <a:t>01/04/16</a:t>
+              <a:t>04/04/16</a:t>
             </a:fld>
             <a:endParaRPr lang="en-US"/>
           </a:p>
@@ -5515,7 +5600,7 @@
           <a:p>
             <a:fld id="{85937D96-DDC1-4747-AA95-A033CACCB96C}" type="datetime1">
               <a:rPr lang="en-US" smtClean="0"/>
-              <a:t>01/04/16</a:t>
+              <a:t>04/04/16</a:t>
             </a:fld>
             <a:endParaRPr lang="en-US"/>
           </a:p>
@@ -5848,7 +5933,7 @@
           <a:p>
             <a:fld id="{5321CDED-9626-FA46-9EE7-E82FB8600649}" type="datetime1">
               <a:rPr lang="en-US" smtClean="0"/>
-              <a:t>01/04/16</a:t>
+              <a:t>04/04/16</a:t>
             </a:fld>
             <a:endParaRPr lang="en-US"/>
           </a:p>
@@ -6103,7 +6188,7 @@
           <a:p>
             <a:fld id="{1C24507A-5856-C541-981B-4412383053C8}" type="datetime1">
               <a:rPr lang="en-US" smtClean="0"/>
-              <a:t>01/04/16</a:t>
+              <a:t>04/04/16</a:t>
             </a:fld>
             <a:endParaRPr lang="en-US"/>
           </a:p>
@@ -6286,7 +6371,7 @@
           <a:p>
             <a:fld id="{6905DD47-EC52-8743-A4BF-BDFBFBA3AE81}" type="datetime1">
               <a:rPr lang="en-US" smtClean="0"/>
-              <a:t>01/04/16</a:t>
+              <a:t>04/04/16</a:t>
             </a:fld>
             <a:endParaRPr lang="en-US"/>
           </a:p>
@@ -6459,7 +6544,7 @@
           <a:p>
             <a:fld id="{1D77DB73-494B-5E4A-8019-F4524E111BAF}" type="datetime1">
               <a:rPr lang="en-US" smtClean="0"/>
-              <a:t>01/04/16</a:t>
+              <a:t>04/04/16</a:t>
             </a:fld>
             <a:endParaRPr lang="en-US"/>
           </a:p>
@@ -6732,7 +6817,7 @@
           <a:p>
             <a:fld id="{5A88EB98-4821-3849-86D7-AEAB3699D07C}" type="datetime1">
               <a:rPr lang="en-US" smtClean="0"/>
-              <a:t>01/04/16</a:t>
+              <a:t>04/04/16</a:t>
             </a:fld>
             <a:endParaRPr lang="en-US"/>
           </a:p>
@@ -7043,7 +7128,7 @@
           <a:p>
             <a:fld id="{E2211E45-9E9F-C742-80C0-3820C3566BB1}" type="datetime1">
               <a:rPr lang="en-US" smtClean="0"/>
-              <a:t>01/04/16</a:t>
+              <a:t>04/04/16</a:t>
             </a:fld>
             <a:endParaRPr lang="en-US"/>
           </a:p>
@@ -7339,7 +7424,7 @@
           <a:p>
             <a:fld id="{CB5CC828-769C-E54C-9215-692401F93968}" type="datetime1">
               <a:rPr lang="en-US" smtClean="0"/>
-              <a:t>01/04/16</a:t>
+              <a:t>04/04/16</a:t>
             </a:fld>
             <a:endParaRPr lang="en-US"/>
           </a:p>
@@ -7773,7 +7858,7 @@
           <a:p>
             <a:fld id="{1AA2AE0E-A114-5642-B6C6-FD149E76306E}" type="datetime1">
               <a:rPr lang="en-US" smtClean="0"/>
-              <a:t>01/04/16</a:t>
+              <a:t>04/04/16</a:t>
             </a:fld>
             <a:endParaRPr lang="en-US"/>
           </a:p>
@@ -8123,7 +8208,7 @@
           <a:p>
             <a:fld id="{8A715A52-2182-4049-98B2-F3202A644989}" type="datetime1">
               <a:rPr lang="en-US" smtClean="0"/>
-              <a:t>01/04/16</a:t>
+              <a:t>04/04/16</a:t>
             </a:fld>
             <a:endParaRPr lang="en-US"/>
           </a:p>
@@ -8217,7 +8302,7 @@
           <a:p>
             <a:fld id="{3CF4FDC8-DC40-7C44-B03A-3EFB3AAE78B7}" type="datetime1">
               <a:rPr lang="en-US" smtClean="0"/>
-              <a:t>01/04/16</a:t>
+              <a:t>04/04/16</a:t>
             </a:fld>
             <a:endParaRPr lang="en-US"/>
           </a:p>
@@ -8558,7 +8643,7 @@
           <a:p>
             <a:fld id="{22BC680A-A1C5-9D47-898A-4B941B6FDB12}" type="datetime1">
               <a:rPr lang="en-US" smtClean="0"/>
-              <a:t>01/04/16</a:t>
+              <a:t>04/04/16</a:t>
             </a:fld>
             <a:endParaRPr lang="en-US"/>
           </a:p>
@@ -8774,7 +8859,7 @@
           <a:p>
             <a:fld id="{A94D9655-E859-0A4D-ABA6-66C7095048D0}" type="datetime1">
               <a:rPr lang="en-US" smtClean="0"/>
-              <a:t>01/04/16</a:t>
+              <a:t>04/04/16</a:t>
             </a:fld>
             <a:endParaRPr lang="en-US"/>
           </a:p>
@@ -12855,6 +12940,512 @@
       </p:grpSpPr>
       <p:sp>
         <p:nvSpPr>
+          <p:cNvPr id="2" name="TextBox 1"/>
+          <p:cNvSpPr txBox="1"/>
+          <p:nvPr/>
+        </p:nvSpPr>
+        <p:spPr>
+          <a:xfrm>
+            <a:off x="0" y="297383"/>
+            <a:ext cx="3367638" cy="369332"/>
+          </a:xfrm>
+          <a:prstGeom prst="rect">
+            <a:avLst/>
+          </a:prstGeom>
+          <a:solidFill>
+            <a:schemeClr val="tx1">
+              <a:lumMod val="65000"/>
+              <a:lumOff val="35000"/>
+            </a:schemeClr>
+          </a:solidFill>
+        </p:spPr>
+        <p:style>
+          <a:lnRef idx="2">
+            <a:schemeClr val="dk1"/>
+          </a:lnRef>
+          <a:fillRef idx="1">
+            <a:schemeClr val="lt1"/>
+          </a:fillRef>
+          <a:effectRef idx="0">
+            <a:schemeClr val="dk1"/>
+          </a:effectRef>
+          <a:fontRef idx="minor">
+            <a:schemeClr val="dk1"/>
+          </a:fontRef>
+        </p:style>
+        <p:txBody>
+          <a:bodyPr wrap="square" rtlCol="0">
+            <a:spAutoFit/>
+          </a:bodyPr>
+          <a:lstStyle/>
+          <a:p>
+            <a:r>
+              <a:rPr lang="en-US" dirty="0" smtClean="0">
+                <a:solidFill>
+                  <a:schemeClr val="bg1"/>
+                </a:solidFill>
+              </a:rPr>
+              <a:t>nervousnet</a:t>
+            </a:r>
+            <a:endParaRPr lang="en-US" dirty="0">
+              <a:solidFill>
+                <a:schemeClr val="bg1"/>
+              </a:solidFill>
+            </a:endParaRPr>
+          </a:p>
+        </p:txBody>
+      </p:sp>
+      <p:sp>
+        <p:nvSpPr>
+          <p:cNvPr id="23" name="TextBox 22"/>
+          <p:cNvSpPr txBox="1"/>
+          <p:nvPr/>
+        </p:nvSpPr>
+        <p:spPr>
+          <a:xfrm>
+            <a:off x="3091134" y="298078"/>
+            <a:ext cx="5852214" cy="369332"/>
+          </a:xfrm>
+          <a:prstGeom prst="rect">
+            <a:avLst/>
+          </a:prstGeom>
+          <a:solidFill>
+            <a:schemeClr val="bg1">
+              <a:lumMod val="65000"/>
+            </a:schemeClr>
+          </a:solidFill>
+        </p:spPr>
+        <p:style>
+          <a:lnRef idx="2">
+            <a:schemeClr val="dk1"/>
+          </a:lnRef>
+          <a:fillRef idx="1">
+            <a:schemeClr val="lt1"/>
+          </a:fillRef>
+          <a:effectRef idx="0">
+            <a:schemeClr val="dk1"/>
+          </a:effectRef>
+          <a:fontRef idx="minor">
+            <a:schemeClr val="dk1"/>
+          </a:fontRef>
+        </p:style>
+        <p:txBody>
+          <a:bodyPr wrap="square" rtlCol="0">
+            <a:spAutoFit/>
+          </a:bodyPr>
+          <a:lstStyle>
+            <a:defPPr>
+              <a:defRPr lang="en-US"/>
+            </a:defPPr>
+            <a:lvl1pPr>
+              <a:defRPr>
+                <a:solidFill>
+                  <a:schemeClr val="bg1"/>
+                </a:solidFill>
+              </a:defRPr>
+            </a:lvl1pPr>
+          </a:lstStyle>
+          <a:p>
+            <a:pPr algn="r"/>
+            <a:r>
+              <a:rPr lang="en-US" dirty="0" smtClean="0">
+                <a:solidFill>
+                  <a:schemeClr val="tx1"/>
+                </a:solidFill>
+              </a:rPr>
+              <a:t>The Platform</a:t>
+            </a:r>
+            <a:endParaRPr lang="en-US" dirty="0">
+              <a:solidFill>
+                <a:schemeClr val="tx1"/>
+              </a:solidFill>
+            </a:endParaRPr>
+          </a:p>
+        </p:txBody>
+      </p:sp>
+      <p:sp>
+        <p:nvSpPr>
+          <p:cNvPr id="9" name="Footer Placeholder 8"/>
+          <p:cNvSpPr>
+            <a:spLocks noGrp="1"/>
+          </p:cNvSpPr>
+          <p:nvPr>
+            <p:ph type="ftr" sz="quarter" idx="11"/>
+          </p:nvPr>
+        </p:nvSpPr>
+        <p:spPr/>
+        <p:txBody>
+          <a:bodyPr/>
+          <a:lstStyle/>
+          <a:p>
+            <a:r>
+              <a:rPr lang="en-US" smtClean="0"/>
+              <a:t>© ETH Zürich, COSS </a:t>
+            </a:r>
+            <a:endParaRPr lang="en-US"/>
+          </a:p>
+        </p:txBody>
+      </p:sp>
+      <p:sp>
+        <p:nvSpPr>
+          <p:cNvPr id="3" name="TextBox 2"/>
+          <p:cNvSpPr txBox="1"/>
+          <p:nvPr/>
+        </p:nvSpPr>
+        <p:spPr>
+          <a:xfrm>
+            <a:off x="890943" y="666715"/>
+            <a:ext cx="7478222" cy="4616649"/>
+          </a:xfrm>
+          <a:prstGeom prst="rect">
+            <a:avLst/>
+          </a:prstGeom>
+          <a:noFill/>
+        </p:spPr>
+        <p:txBody>
+          <a:bodyPr wrap="square" rtlCol="0">
+            <a:spAutoFit/>
+          </a:bodyPr>
+          <a:lstStyle/>
+          <a:p>
+            <a:pPr marL="228600" indent="-228600" algn="just">
+              <a:buFont typeface="+mj-lt"/>
+              <a:buAutoNum type="arabicPeriod"/>
+            </a:pPr>
+            <a:r>
+              <a:rPr lang="en-US" sz="1100" b="1" dirty="0" smtClean="0"/>
+              <a:t>HUB - </a:t>
+            </a:r>
+            <a:r>
+              <a:rPr lang="en-US" sz="1000" dirty="0" smtClean="0"/>
+              <a:t>Native</a:t>
+            </a:r>
+            <a:r>
+              <a:rPr lang="en-US" sz="1000" b="1" dirty="0" smtClean="0"/>
+              <a:t> </a:t>
+            </a:r>
+            <a:r>
+              <a:rPr lang="en-US" sz="1000" dirty="0" smtClean="0"/>
+              <a:t>Mobile Application built for Android and iOS platforms. </a:t>
+            </a:r>
+            <a:endParaRPr lang="en-US" sz="1000" dirty="0"/>
+          </a:p>
+          <a:p>
+            <a:pPr marL="628650" lvl="1" indent="-171450" algn="just">
+              <a:buFont typeface="Arial"/>
+              <a:buChar char="•"/>
+            </a:pPr>
+            <a:r>
+              <a:rPr lang="en-US" sz="1000" dirty="0" smtClean="0"/>
+              <a:t>Allows user to view and share various Sensor related Data</a:t>
+            </a:r>
+          </a:p>
+          <a:p>
+            <a:pPr marL="628650" lvl="1" indent="-171450" algn="just">
+              <a:buFont typeface="Arial"/>
+              <a:buChar char="•"/>
+            </a:pPr>
+            <a:r>
+              <a:rPr lang="en-US" sz="1000" dirty="0" smtClean="0"/>
+              <a:t>Required to be installed for running external apps (Extensions and Axons) built using</a:t>
+            </a:r>
+            <a:r>
+              <a:rPr lang="en-US" sz="1000" b="1" i="1" dirty="0" smtClean="0"/>
+              <a:t> </a:t>
+            </a:r>
+            <a:r>
+              <a:rPr lang="en-US" sz="1000" b="1" i="1" dirty="0"/>
+              <a:t>n</a:t>
+            </a:r>
+            <a:r>
+              <a:rPr lang="en-US" sz="1000" b="1" i="1" dirty="0" smtClean="0"/>
+              <a:t>ervousnet HUB API’s</a:t>
+            </a:r>
+            <a:r>
+              <a:rPr lang="en-US" sz="1000" dirty="0" smtClean="0"/>
+              <a:t>.</a:t>
+            </a:r>
+          </a:p>
+          <a:p>
+            <a:pPr marL="628650" lvl="1" indent="-171450" algn="just">
+              <a:buFont typeface="Arial"/>
+              <a:buChar char="•"/>
+            </a:pPr>
+            <a:r>
+              <a:rPr lang="en-US" sz="1000" dirty="0" smtClean="0"/>
+              <a:t>Acts like a connectivity hub for external products like smartwatches, beacons and external sensors that want to share sensor data with the nervousnet platform.</a:t>
+            </a:r>
+          </a:p>
+          <a:p>
+            <a:pPr marL="628650" lvl="1" indent="-171450" algn="just">
+              <a:buFont typeface="Arial"/>
+              <a:buChar char="•"/>
+            </a:pPr>
+            <a:endParaRPr lang="en-US" sz="1100" dirty="0"/>
+          </a:p>
+          <a:p>
+            <a:pPr marL="228600" indent="-228600" algn="just">
+              <a:buFont typeface="+mj-lt"/>
+              <a:buAutoNum type="arabicPeriod"/>
+            </a:pPr>
+            <a:r>
+              <a:rPr lang="en-US" sz="1100" b="1" dirty="0" smtClean="0"/>
+              <a:t>Extensions - </a:t>
+            </a:r>
+            <a:r>
+              <a:rPr lang="en-US" sz="1000" dirty="0" smtClean="0"/>
+              <a:t>Native</a:t>
+            </a:r>
+            <a:r>
+              <a:rPr lang="en-US" sz="1000" b="1" dirty="0" smtClean="0"/>
+              <a:t> </a:t>
+            </a:r>
+            <a:r>
+              <a:rPr lang="en-US" sz="1000" dirty="0" smtClean="0"/>
+              <a:t>Android apps, Smart devices, beacons that can connect to the nervousnet HUB mobile app.</a:t>
+            </a:r>
+          </a:p>
+          <a:p>
+            <a:pPr marL="685800" lvl="1" indent="-228600" algn="just">
+              <a:buFont typeface="Arial"/>
+              <a:buChar char="•"/>
+            </a:pPr>
+            <a:r>
+              <a:rPr lang="en-US" sz="1000" dirty="0" smtClean="0"/>
+              <a:t>Uses the nervousnet HUB API's to receive and share sensor data.  </a:t>
+            </a:r>
+          </a:p>
+          <a:p>
+            <a:pPr marL="685800" lvl="1" indent="-228600" algn="just">
+              <a:buFont typeface="Arial"/>
+              <a:buChar char="•"/>
+            </a:pPr>
+            <a:r>
+              <a:rPr lang="en-US" sz="1000" dirty="0" smtClean="0"/>
+              <a:t>Works only in Android devices</a:t>
+            </a:r>
+          </a:p>
+          <a:p>
+            <a:pPr marL="685800" lvl="1" indent="-228600" algn="just">
+              <a:buFont typeface="Arial"/>
+              <a:buChar char="•"/>
+            </a:pPr>
+            <a:r>
+              <a:rPr lang="en-US" sz="1000" dirty="0"/>
+              <a:t>U</a:t>
+            </a:r>
+            <a:r>
+              <a:rPr lang="en-US" sz="1000" dirty="0" smtClean="0"/>
+              <a:t>ses the Android background services feature.</a:t>
+            </a:r>
+            <a:endParaRPr lang="en-US" sz="1000" dirty="0"/>
+          </a:p>
+          <a:p>
+            <a:pPr marL="228600" indent="-228600" algn="just">
+              <a:buFont typeface="+mj-lt"/>
+              <a:buAutoNum type="arabicPeriod"/>
+            </a:pPr>
+            <a:endParaRPr lang="en-US" sz="1100" dirty="0" smtClean="0"/>
+          </a:p>
+          <a:p>
+            <a:pPr marL="228600" indent="-228600" algn="just">
+              <a:buFont typeface="+mj-lt"/>
+              <a:buAutoNum type="arabicPeriod"/>
+            </a:pPr>
+            <a:r>
+              <a:rPr lang="en-US" sz="1100" b="1" dirty="0"/>
+              <a:t>Axons </a:t>
+            </a:r>
+            <a:r>
+              <a:rPr lang="en-US" sz="1100" b="1" dirty="0" smtClean="0"/>
+              <a:t>- </a:t>
+            </a:r>
+            <a:r>
+              <a:rPr lang="en-US" sz="1000" dirty="0" smtClean="0"/>
+              <a:t>HTML, JavaScript and CSS applications that run inside WebView containers inside the nervousnet apps. </a:t>
+            </a:r>
+          </a:p>
+          <a:p>
+            <a:pPr marL="685800" lvl="1" indent="-228600" algn="just">
+              <a:buFont typeface="Arial"/>
+              <a:buChar char="•"/>
+            </a:pPr>
+            <a:r>
+              <a:rPr lang="en-US" sz="1000" dirty="0" smtClean="0"/>
+              <a:t> Currently implemented for the iOS platform.</a:t>
+            </a:r>
+          </a:p>
+          <a:p>
+            <a:pPr marL="685800" lvl="1" indent="-228600" algn="just">
+              <a:buFont typeface="Arial"/>
+              <a:buChar char="•"/>
+            </a:pPr>
+            <a:r>
+              <a:rPr lang="en-US" sz="1000" dirty="0" smtClean="0"/>
+              <a:t>Android Platform support in version 2.</a:t>
+            </a:r>
+          </a:p>
+          <a:p>
+            <a:pPr marL="228600" indent="-228600" algn="just">
+              <a:buFont typeface="+mj-lt"/>
+              <a:buAutoNum type="arabicPeriod"/>
+            </a:pPr>
+            <a:endParaRPr lang="en-US" sz="1100" dirty="0"/>
+          </a:p>
+          <a:p>
+            <a:pPr marL="228600" indent="-228600" algn="just">
+              <a:buFont typeface="+mj-lt"/>
+              <a:buAutoNum type="arabicPeriod"/>
+            </a:pPr>
+            <a:r>
+              <a:rPr lang="en-US" sz="1100" b="1" dirty="0" smtClean="0"/>
+              <a:t>nervousnet CORE –</a:t>
+            </a:r>
+            <a:r>
+              <a:rPr lang="en-US" sz="1000" b="1" dirty="0" smtClean="0"/>
+              <a:t> </a:t>
+            </a:r>
+            <a:r>
+              <a:rPr lang="en-US" sz="1000" dirty="0" smtClean="0"/>
+              <a:t>Distributed and Decentralized set of Servers </a:t>
+            </a:r>
+          </a:p>
+          <a:p>
+            <a:pPr marL="685800" lvl="1" indent="-228600" algn="just">
+              <a:buFont typeface="Arial"/>
+              <a:buChar char="•"/>
+            </a:pPr>
+            <a:r>
+              <a:rPr lang="en-US" sz="1000" dirty="0"/>
+              <a:t>U</a:t>
+            </a:r>
+            <a:r>
+              <a:rPr lang="en-US" sz="1000" dirty="0" smtClean="0"/>
+              <a:t>sed to store and collect Data shared by Clients (Mobile &amp; Web), </a:t>
+            </a:r>
+            <a:r>
+              <a:rPr lang="en-US" sz="1000" dirty="0"/>
+              <a:t>I</a:t>
+            </a:r>
+            <a:r>
+              <a:rPr lang="en-US" sz="1000" dirty="0" smtClean="0"/>
+              <a:t>OT Hardware sensors and devices and partner platforms. </a:t>
+            </a:r>
+          </a:p>
+          <a:p>
+            <a:pPr marL="685800" lvl="1" indent="-228600" algn="just">
+              <a:buFont typeface="Arial"/>
+              <a:buChar char="•"/>
+            </a:pPr>
+            <a:r>
+              <a:rPr lang="en-US" sz="1000" dirty="0" smtClean="0"/>
+              <a:t>Individual Servers are called </a:t>
+            </a:r>
+            <a:r>
+              <a:rPr lang="en-US" sz="1000" b="1" dirty="0" smtClean="0"/>
+              <a:t>nervousnet Nodes</a:t>
+            </a:r>
+            <a:r>
+              <a:rPr lang="en-US" sz="1000" dirty="0" smtClean="0"/>
+              <a:t>. </a:t>
+            </a:r>
+          </a:p>
+          <a:p>
+            <a:pPr marL="685800" lvl="1" indent="-228600" algn="just">
+              <a:buFont typeface="Arial"/>
+              <a:buChar char="•"/>
+            </a:pPr>
+            <a:r>
+              <a:rPr lang="en-US" sz="1000" dirty="0" smtClean="0"/>
+              <a:t>Mobile Clients will have the option of selecting a server from a list.</a:t>
+            </a:r>
+          </a:p>
+          <a:p>
+            <a:pPr marL="228600" indent="-228600">
+              <a:buFont typeface="+mj-lt"/>
+              <a:buAutoNum type="arabicPeriod"/>
+            </a:pPr>
+            <a:endParaRPr lang="en-US" sz="1100" dirty="0"/>
+          </a:p>
+          <a:p>
+            <a:pPr marL="228600" indent="-228600">
+              <a:buFont typeface="+mj-lt"/>
+              <a:buAutoNum type="arabicPeriod"/>
+            </a:pPr>
+            <a:endParaRPr lang="en-US" sz="1100" dirty="0" smtClean="0"/>
+          </a:p>
+          <a:p>
+            <a:pPr marL="228600" indent="-228600">
+              <a:buFont typeface="+mj-lt"/>
+              <a:buAutoNum type="arabicPeriod"/>
+            </a:pPr>
+            <a:endParaRPr lang="en-US" sz="1100" dirty="0"/>
+          </a:p>
+          <a:p>
+            <a:pPr marL="228600" indent="-228600">
+              <a:buFont typeface="+mj-lt"/>
+              <a:buAutoNum type="arabicPeriod"/>
+            </a:pPr>
+            <a:endParaRPr lang="en-US" sz="1100" dirty="0" smtClean="0"/>
+          </a:p>
+          <a:p>
+            <a:pPr marL="228600" indent="-228600">
+              <a:buFont typeface="+mj-lt"/>
+              <a:buAutoNum type="arabicPeriod"/>
+            </a:pPr>
+            <a:endParaRPr lang="en-US" sz="1100" b="1" dirty="0"/>
+          </a:p>
+          <a:p>
+            <a:pPr marL="228600" indent="-228600">
+              <a:buFont typeface="+mj-lt"/>
+              <a:buAutoNum type="arabicPeriod"/>
+            </a:pPr>
+            <a:endParaRPr lang="en-US" sz="1100" b="1" dirty="0"/>
+          </a:p>
+          <a:p>
+            <a:endParaRPr lang="en-US" sz="1100" dirty="0"/>
+          </a:p>
+        </p:txBody>
+      </p:sp>
+    </p:spTree>
+    <p:extLst>
+      <p:ext uri="{BB962C8B-B14F-4D97-AF65-F5344CB8AC3E}">
+        <p14:creationId xmlns:p14="http://schemas.microsoft.com/office/powerpoint/2010/main" val="3761833744"/>
+      </p:ext>
+    </p:extLst>
+  </p:cSld>
+  <p:clrMapOvr>
+    <a:masterClrMapping/>
+  </p:clrMapOvr>
+  <p:timing>
+    <p:tnLst>
+      <p:par>
+        <p:cTn xmlns:p14="http://schemas.microsoft.com/office/powerpoint/2010/main" id="1" dur="indefinite" restart="never" nodeType="tmRoot"/>
+      </p:par>
+    </p:tnLst>
+  </p:timing>
+</p:sld>
+</file>
+
+<file path=ppt/slides/slide5.xml><?xml version="1.0" encoding="utf-8"?>
+<p:sld xmlns:a="http://schemas.openxmlformats.org/drawingml/2006/main" xmlns:r="http://schemas.openxmlformats.org/officeDocument/2006/relationships" xmlns:p="http://schemas.openxmlformats.org/presentationml/2006/main">
+  <p:cSld>
+    <p:spTree>
+      <p:nvGrpSpPr>
+        <p:cNvPr id="1" name=""/>
+        <p:cNvGrpSpPr/>
+        <p:nvPr/>
+      </p:nvGrpSpPr>
+      <p:grpSpPr>
+        <a:xfrm>
+          <a:off x="0" y="0"/>
+          <a:ext cx="0" cy="0"/>
+          <a:chOff x="0" y="0"/>
+          <a:chExt cx="0" cy="0"/>
+        </a:xfrm>
+      </p:grpSpPr>
+      <p:sp>
+        <p:nvSpPr>
           <p:cNvPr id="7" name="Rectangle 6"/>
           <p:cNvSpPr/>
           <p:nvPr/>
@@ -13667,56 +14258,6 @@
               </a:rPr>
               <a:t>nervousnet HUB</a:t>
             </a:r>
-          </a:p>
-        </p:txBody>
-      </p:sp>
-      <p:sp>
-        <p:nvSpPr>
-          <p:cNvPr id="50" name="Rectangle 49"/>
-          <p:cNvSpPr/>
-          <p:nvPr/>
-        </p:nvSpPr>
-        <p:spPr>
-          <a:xfrm>
-            <a:off x="909865" y="4609393"/>
-            <a:ext cx="1364704" cy="356176"/>
-          </a:xfrm>
-          <a:prstGeom prst="rect">
-            <a:avLst/>
-          </a:prstGeom>
-          <a:ln w="19050" cap="rnd" cmpd="sng">
-            <a:solidFill>
-              <a:schemeClr val="bg1">
-                <a:lumMod val="65000"/>
-              </a:schemeClr>
-            </a:solidFill>
-            <a:prstDash val="solid"/>
-          </a:ln>
-        </p:spPr>
-        <p:style>
-          <a:lnRef idx="2">
-            <a:schemeClr val="dk1"/>
-          </a:lnRef>
-          <a:fillRef idx="1">
-            <a:schemeClr val="lt1"/>
-          </a:fillRef>
-          <a:effectRef idx="0">
-            <a:schemeClr val="dk1"/>
-          </a:effectRef>
-          <a:fontRef idx="minor">
-            <a:schemeClr val="dk1"/>
-          </a:fontRef>
-        </p:style>
-        <p:txBody>
-          <a:bodyPr vert="horz" tIns="93600" rtlCol="0" anchor="t" anchorCtr="0"/>
-          <a:lstStyle/>
-          <a:p>
-            <a:pPr algn="ctr"/>
-            <a:r>
-              <a:rPr lang="en-US" sz="1000" dirty="0" smtClean="0"/>
-              <a:t>Distributed Servers</a:t>
-            </a:r>
-            <a:endParaRPr lang="en-US" sz="1000" dirty="0"/>
           </a:p>
         </p:txBody>
       </p:sp>
@@ -15852,33 +16393,129 @@
         </p:nvSpPr>
         <p:spPr>
           <a:xfrm>
-            <a:off x="522275" y="5176244"/>
-            <a:ext cx="1601921" cy="430887"/>
+            <a:off x="730414" y="4613970"/>
+            <a:ext cx="1708774" cy="398297"/>
           </a:xfrm>
           <a:prstGeom prst="rect">
             <a:avLst/>
           </a:prstGeom>
-          <a:noFill/>
-        </p:spPr>
-        <p:txBody>
-          <a:bodyPr wrap="none" rtlCol="0">
-            <a:spAutoFit/>
-          </a:bodyPr>
-          <a:lstStyle/>
+          <a:ln w="19050" cap="rnd" cmpd="sng">
+            <a:solidFill>
+              <a:schemeClr val="bg1">
+                <a:lumMod val="65000"/>
+              </a:schemeClr>
+            </a:solidFill>
+            <a:prstDash val="solid"/>
+          </a:ln>
+        </p:spPr>
+        <p:style>
+          <a:lnRef idx="2">
+            <a:schemeClr val="dk1"/>
+          </a:lnRef>
+          <a:fillRef idx="1">
+            <a:schemeClr val="lt1"/>
+          </a:fillRef>
+          <a:effectRef idx="0">
+            <a:schemeClr val="dk1"/>
+          </a:effectRef>
+          <a:fontRef idx="minor">
+            <a:schemeClr val="dk1"/>
+          </a:fontRef>
+        </p:style>
+        <p:txBody>
+          <a:bodyPr vert="horz" tIns="93600" rtlCol="0" anchor="t" anchorCtr="0"/>
+          <a:lstStyle>
+            <a:defPPr>
+              <a:defRPr lang="en-US"/>
+            </a:defPPr>
+            <a:lvl1pPr>
+              <a:lnSpc>
+                <a:spcPct val="50000"/>
+              </a:lnSpc>
+              <a:defRPr sz="1000">
+                <a:solidFill>
+                  <a:schemeClr val="dk1"/>
+                </a:solidFill>
+              </a:defRPr>
+            </a:lvl1pPr>
+            <a:lvl2pPr>
+              <a:defRPr>
+                <a:solidFill>
+                  <a:schemeClr val="dk1"/>
+                </a:solidFill>
+              </a:defRPr>
+            </a:lvl2pPr>
+            <a:lvl3pPr>
+              <a:defRPr>
+                <a:solidFill>
+                  <a:schemeClr val="dk1"/>
+                </a:solidFill>
+              </a:defRPr>
+            </a:lvl3pPr>
+            <a:lvl4pPr>
+              <a:defRPr>
+                <a:solidFill>
+                  <a:schemeClr val="dk1"/>
+                </a:solidFill>
+              </a:defRPr>
+            </a:lvl4pPr>
+            <a:lvl5pPr>
+              <a:defRPr>
+                <a:solidFill>
+                  <a:schemeClr val="dk1"/>
+                </a:solidFill>
+              </a:defRPr>
+            </a:lvl5pPr>
+            <a:lvl6pPr>
+              <a:defRPr>
+                <a:solidFill>
+                  <a:schemeClr val="dk1"/>
+                </a:solidFill>
+              </a:defRPr>
+            </a:lvl6pPr>
+            <a:lvl7pPr>
+              <a:defRPr>
+                <a:solidFill>
+                  <a:schemeClr val="dk1"/>
+                </a:solidFill>
+              </a:defRPr>
+            </a:lvl7pPr>
+            <a:lvl8pPr>
+              <a:defRPr>
+                <a:solidFill>
+                  <a:schemeClr val="dk1"/>
+                </a:solidFill>
+              </a:defRPr>
+            </a:lvl8pPr>
+            <a:lvl9pPr>
+              <a:defRPr>
+                <a:solidFill>
+                  <a:schemeClr val="dk1"/>
+                </a:solidFill>
+              </a:defRPr>
+            </a:lvl9pPr>
+          </a:lstStyle>
           <a:p>
             <a:pPr algn="ctr"/>
             <a:r>
-              <a:rPr lang="en-US" sz="1100" dirty="0" smtClean="0"/>
-              <a:t>Nervousnet CORE</a:t>
+              <a:rPr lang="en-US" dirty="0"/>
+              <a:t>n</a:t>
+            </a:r>
+            <a:r>
+              <a:rPr lang="en-US" dirty="0" smtClean="0"/>
+              <a:t>ervousnet CORE</a:t>
             </a:r>
           </a:p>
           <a:p>
             <a:pPr algn="ctr"/>
-            <a:r>
-              <a:rPr lang="en-US" sz="1100" dirty="0" smtClean="0"/>
+            <a:endParaRPr lang="en-US" dirty="0"/>
+          </a:p>
+          <a:p>
+            <a:pPr algn="ctr"/>
+            <a:r>
+              <a:rPr lang="en-US" dirty="0"/>
               <a:t>( Distributed Servers )</a:t>
             </a:r>
-            <a:endParaRPr lang="en-US" sz="1100" dirty="0"/>
           </a:p>
         </p:txBody>
       </p:sp>

--- a/Documents/Architecture/nervousnet.pptx
+++ b/Documents/Architecture/nervousnet.pptx
@@ -3698,7 +3698,7 @@
           <a:p>
             <a:fld id="{E29EADBD-8C2A-0E4C-92CE-5EBFF6224A3A}" type="datetime1">
               <a:rPr lang="en-US" smtClean="0"/>
-              <a:t>04/04/16</a:t>
+              <a:t>05/04/16</a:t>
             </a:fld>
             <a:endParaRPr lang="en-US"/>
           </a:p>
@@ -3868,7 +3868,7 @@
           <a:p>
             <a:fld id="{00A2197B-82DA-B840-975D-6BA3EE4C2DC8}" type="datetime1">
               <a:rPr lang="en-US" smtClean="0"/>
-              <a:t>04/04/16</a:t>
+              <a:t>05/04/16</a:t>
             </a:fld>
             <a:endParaRPr lang="en-US"/>
           </a:p>
@@ -4696,7 +4696,7 @@
           <a:p>
             <a:fld id="{D9367090-103A-FA49-A3B4-31066D77167B}" type="datetime1">
               <a:rPr lang="en-US" smtClean="0"/>
-              <a:t>04/04/16</a:t>
+              <a:t>05/04/16</a:t>
             </a:fld>
             <a:endParaRPr lang="en-US"/>
           </a:p>
@@ -5021,7 +5021,7 @@
           <a:p>
             <a:fld id="{ABC2C74B-38EB-6142-981A-F4874F5C558C}" type="datetime1">
               <a:rPr lang="en-US" smtClean="0"/>
-              <a:t>04/04/16</a:t>
+              <a:t>05/04/16</a:t>
             </a:fld>
             <a:endParaRPr lang="en-US"/>
           </a:p>
@@ -5302,7 +5302,7 @@
           <a:p>
             <a:fld id="{2E308B6A-9F4E-B64E-B36C-0598F402E0B0}" type="datetime1">
               <a:rPr lang="en-US" smtClean="0"/>
-              <a:t>04/04/16</a:t>
+              <a:t>05/04/16</a:t>
             </a:fld>
             <a:endParaRPr lang="en-US"/>
           </a:p>
@@ -5600,7 +5600,7 @@
           <a:p>
             <a:fld id="{85937D96-DDC1-4747-AA95-A033CACCB96C}" type="datetime1">
               <a:rPr lang="en-US" smtClean="0"/>
-              <a:t>04/04/16</a:t>
+              <a:t>05/04/16</a:t>
             </a:fld>
             <a:endParaRPr lang="en-US"/>
           </a:p>
@@ -5933,7 +5933,7 @@
           <a:p>
             <a:fld id="{5321CDED-9626-FA46-9EE7-E82FB8600649}" type="datetime1">
               <a:rPr lang="en-US" smtClean="0"/>
-              <a:t>04/04/16</a:t>
+              <a:t>05/04/16</a:t>
             </a:fld>
             <a:endParaRPr lang="en-US"/>
           </a:p>
@@ -6188,7 +6188,7 @@
           <a:p>
             <a:fld id="{1C24507A-5856-C541-981B-4412383053C8}" type="datetime1">
               <a:rPr lang="en-US" smtClean="0"/>
-              <a:t>04/04/16</a:t>
+              <a:t>05/04/16</a:t>
             </a:fld>
             <a:endParaRPr lang="en-US"/>
           </a:p>
@@ -6371,7 +6371,7 @@
           <a:p>
             <a:fld id="{6905DD47-EC52-8743-A4BF-BDFBFBA3AE81}" type="datetime1">
               <a:rPr lang="en-US" smtClean="0"/>
-              <a:t>04/04/16</a:t>
+              <a:t>05/04/16</a:t>
             </a:fld>
             <a:endParaRPr lang="en-US"/>
           </a:p>
@@ -6544,7 +6544,7 @@
           <a:p>
             <a:fld id="{1D77DB73-494B-5E4A-8019-F4524E111BAF}" type="datetime1">
               <a:rPr lang="en-US" smtClean="0"/>
-              <a:t>04/04/16</a:t>
+              <a:t>05/04/16</a:t>
             </a:fld>
             <a:endParaRPr lang="en-US"/>
           </a:p>
@@ -6817,7 +6817,7 @@
           <a:p>
             <a:fld id="{5A88EB98-4821-3849-86D7-AEAB3699D07C}" type="datetime1">
               <a:rPr lang="en-US" smtClean="0"/>
-              <a:t>04/04/16</a:t>
+              <a:t>05/04/16</a:t>
             </a:fld>
             <a:endParaRPr lang="en-US"/>
           </a:p>
@@ -7128,7 +7128,7 @@
           <a:p>
             <a:fld id="{E2211E45-9E9F-C742-80C0-3820C3566BB1}" type="datetime1">
               <a:rPr lang="en-US" smtClean="0"/>
-              <a:t>04/04/16</a:t>
+              <a:t>05/04/16</a:t>
             </a:fld>
             <a:endParaRPr lang="en-US"/>
           </a:p>
@@ -7424,7 +7424,7 @@
           <a:p>
             <a:fld id="{CB5CC828-769C-E54C-9215-692401F93968}" type="datetime1">
               <a:rPr lang="en-US" smtClean="0"/>
-              <a:t>04/04/16</a:t>
+              <a:t>05/04/16</a:t>
             </a:fld>
             <a:endParaRPr lang="en-US"/>
           </a:p>
@@ -7858,7 +7858,7 @@
           <a:p>
             <a:fld id="{1AA2AE0E-A114-5642-B6C6-FD149E76306E}" type="datetime1">
               <a:rPr lang="en-US" smtClean="0"/>
-              <a:t>04/04/16</a:t>
+              <a:t>05/04/16</a:t>
             </a:fld>
             <a:endParaRPr lang="en-US"/>
           </a:p>
@@ -8208,7 +8208,7 @@
           <a:p>
             <a:fld id="{8A715A52-2182-4049-98B2-F3202A644989}" type="datetime1">
               <a:rPr lang="en-US" smtClean="0"/>
-              <a:t>04/04/16</a:t>
+              <a:t>05/04/16</a:t>
             </a:fld>
             <a:endParaRPr lang="en-US"/>
           </a:p>
@@ -8302,7 +8302,7 @@
           <a:p>
             <a:fld id="{3CF4FDC8-DC40-7C44-B03A-3EFB3AAE78B7}" type="datetime1">
               <a:rPr lang="en-US" smtClean="0"/>
-              <a:t>04/04/16</a:t>
+              <a:t>05/04/16</a:t>
             </a:fld>
             <a:endParaRPr lang="en-US"/>
           </a:p>
@@ -8643,7 +8643,7 @@
           <a:p>
             <a:fld id="{22BC680A-A1C5-9D47-898A-4B941B6FDB12}" type="datetime1">
               <a:rPr lang="en-US" smtClean="0"/>
-              <a:t>04/04/16</a:t>
+              <a:t>05/04/16</a:t>
             </a:fld>
             <a:endParaRPr lang="en-US"/>
           </a:p>
@@ -8859,7 +8859,7 @@
           <a:p>
             <a:fld id="{A94D9655-E859-0A4D-ABA6-66C7095048D0}" type="datetime1">
               <a:rPr lang="en-US" smtClean="0"/>
-              <a:t>04/04/16</a:t>
+              <a:t>05/04/16</a:t>
             </a:fld>
             <a:endParaRPr lang="en-US"/>
           </a:p>
@@ -13095,7 +13095,7 @@
         <p:spPr>
           <a:xfrm>
             <a:off x="890943" y="666715"/>
-            <a:ext cx="7478222" cy="4616649"/>
+            <a:ext cx="7478222" cy="4924426"/>
           </a:xfrm>
           <a:prstGeom prst="rect">
             <a:avLst/>
@@ -13137,7 +13137,15 @@
             </a:pPr>
             <a:r>
               <a:rPr lang="en-US" sz="1000" dirty="0" smtClean="0"/>
-              <a:t>Allows user to view and share various Sensor related Data</a:t>
+              <a:t>Allows </a:t>
+            </a:r>
+            <a:r>
+              <a:rPr lang="en-US" sz="1000" dirty="0" smtClean="0"/>
+              <a:t>users </a:t>
+            </a:r>
+            <a:r>
+              <a:rPr lang="en-US" sz="1000" dirty="0" smtClean="0"/>
+              <a:t>to view and share various Sensor related Data</a:t>
             </a:r>
           </a:p>
           <a:p>
@@ -13173,8 +13181,49 @@
             </a:pPr>
             <a:r>
               <a:rPr lang="en-US" sz="1000" dirty="0" smtClean="0"/>
-              <a:t>Acts like a connectivity hub for external products like smartwatches, beacons and external sensors that want to share sensor data with the nervousnet platform.</a:t>
-            </a:r>
+              <a:t>Acts like a connectivity hub for external products like smartwatches, beacons and external sensors that want to share sensor data with the nervousnet platform</a:t>
+            </a:r>
+            <a:r>
+              <a:rPr lang="en-US" sz="1000" dirty="0" smtClean="0"/>
+              <a:t>.</a:t>
+            </a:r>
+          </a:p>
+          <a:p>
+            <a:pPr marL="628650" lvl="1" indent="-171450" algn="just">
+              <a:buFont typeface="Arial"/>
+              <a:buChar char="•"/>
+            </a:pPr>
+            <a:r>
+              <a:rPr lang="en-US" sz="1000" dirty="0" smtClean="0"/>
+              <a:t>Android version uses background </a:t>
+            </a:r>
+            <a:r>
+              <a:rPr lang="en-US" sz="1000" b="1" dirty="0" smtClean="0"/>
+              <a:t>Services</a:t>
+            </a:r>
+            <a:r>
+              <a:rPr lang="en-US" sz="1000" dirty="0" smtClean="0"/>
+              <a:t> to enable third party apps and extensions to connect and share data with the Nervousnet platform.</a:t>
+            </a:r>
+          </a:p>
+          <a:p>
+            <a:pPr marL="628650" lvl="1" indent="-171450" algn="just">
+              <a:buFont typeface="Arial"/>
+              <a:buChar char="•"/>
+            </a:pPr>
+            <a:r>
+              <a:rPr lang="en-US" sz="1000" dirty="0" smtClean="0"/>
+              <a:t>iOS version uses </a:t>
+            </a:r>
+            <a:r>
+              <a:rPr lang="en-US" sz="1000" b="1" dirty="0" err="1" smtClean="0"/>
+              <a:t>WebViews</a:t>
+            </a:r>
+            <a:r>
+              <a:rPr lang="en-US" sz="1000" dirty="0" smtClean="0"/>
+              <a:t> and allows for external Axons to run inside a WebView container.</a:t>
+            </a:r>
+            <a:endParaRPr lang="en-US" sz="1000" dirty="0" smtClean="0"/>
           </a:p>
           <a:p>
             <a:pPr marL="628650" lvl="1" indent="-171450" algn="just">
@@ -13236,22 +13285,22 @@
             </a:r>
             <a:r>
               <a:rPr lang="en-US" sz="1000" dirty="0" smtClean="0"/>
-              <a:t>ses the Android background services feature.</a:t>
-            </a:r>
-            <a:endParaRPr lang="en-US" sz="1000" dirty="0"/>
+              <a:t>ses the Android background services feature</a:t>
+            </a:r>
+            <a:r>
+              <a:rPr lang="en-US" sz="1000" dirty="0" smtClean="0"/>
+              <a:t>.</a:t>
+            </a:r>
+          </a:p>
+          <a:p>
+            <a:pPr lvl="1" algn="just"/>
+            <a:endParaRPr lang="en-US" sz="1100" dirty="0" smtClean="0"/>
           </a:p>
           <a:p>
             <a:pPr marL="228600" indent="-228600" algn="just">
               <a:buFont typeface="+mj-lt"/>
               <a:buAutoNum type="arabicPeriod"/>
             </a:pPr>
-            <a:endParaRPr lang="en-US" sz="1100" dirty="0" smtClean="0"/>
-          </a:p>
-          <a:p>
-            <a:pPr marL="228600" indent="-228600" algn="just">
-              <a:buFont typeface="+mj-lt"/>
-              <a:buAutoNum type="arabicPeriod"/>
-            </a:pPr>
             <a:r>
               <a:rPr lang="en-US" sz="1100" b="1" dirty="0"/>
               <a:t>Axons </a:t>
@@ -13272,7 +13321,19 @@
             </a:pPr>
             <a:r>
               <a:rPr lang="en-US" sz="1000" dirty="0" smtClean="0"/>
-              <a:t> Currently implemented for the iOS platform.</a:t>
+              <a:t> Currently </a:t>
+            </a:r>
+            <a:r>
+              <a:rPr lang="en-US" sz="1000" dirty="0" smtClean="0"/>
+              <a:t>supported </a:t>
+            </a:r>
+            <a:r>
+              <a:rPr lang="en-US" sz="1000" dirty="0" smtClean="0"/>
+              <a:t>on the </a:t>
+            </a:r>
+            <a:r>
+              <a:rPr lang="en-US" sz="1000" dirty="0" smtClean="0"/>
+              <a:t>iOS platform.</a:t>
             </a:r>
           </a:p>
           <a:p>
@@ -13282,8 +13343,13 @@
             </a:pPr>
             <a:r>
               <a:rPr lang="en-US" sz="1000" dirty="0" smtClean="0"/>
-              <a:t>Android Platform support in version 2.</a:t>
-            </a:r>
+              <a:t>Android Platform support in </a:t>
+            </a:r>
+            <a:r>
+              <a:rPr lang="en-US" sz="1000" dirty="0" smtClean="0"/>
+              <a:t>the next phase.</a:t>
+            </a:r>
+            <a:endParaRPr lang="en-US" sz="1000" dirty="0" smtClean="0"/>
           </a:p>
           <a:p>
             <a:pPr marL="228600" indent="-228600" algn="just">
@@ -13553,8 +13619,8 @@
         </p:nvSpPr>
         <p:spPr>
           <a:xfrm>
-            <a:off x="3713162" y="3547526"/>
-            <a:ext cx="4838171" cy="334214"/>
+            <a:off x="4253746" y="3547526"/>
+            <a:ext cx="4297587" cy="334214"/>
           </a:xfrm>
           <a:prstGeom prst="rect">
             <a:avLst/>
@@ -15453,8 +15519,8 @@
         </p:nvCxnSpPr>
         <p:spPr>
           <a:xfrm>
-            <a:off x="3796240" y="3797071"/>
-            <a:ext cx="284" cy="597850"/>
+            <a:off x="3796240" y="3996484"/>
+            <a:ext cx="284" cy="398437"/>
           </a:xfrm>
           <a:prstGeom prst="straightConnector1">
             <a:avLst/>
@@ -15722,8 +15788,8 @@
         </p:nvSpPr>
         <p:spPr>
           <a:xfrm>
-            <a:off x="2726022" y="3557847"/>
-            <a:ext cx="910937" cy="306287"/>
+            <a:off x="2726023" y="3557847"/>
+            <a:ext cx="896750" cy="306287"/>
           </a:xfrm>
           <a:prstGeom prst="leftRightArrow">
             <a:avLst>
@@ -16393,7 +16459,7 @@
         </p:nvSpPr>
         <p:spPr>
           <a:xfrm>
-            <a:off x="730414" y="4613970"/>
+            <a:off x="919974" y="4538154"/>
             <a:ext cx="1708774" cy="398297"/>
           </a:xfrm>
           <a:prstGeom prst="rect">
@@ -16527,7 +16593,7 @@
         </p:nvCxnSpPr>
         <p:spPr>
           <a:xfrm flipV="1">
-            <a:off x="1212539" y="3419557"/>
+            <a:off x="1402099" y="3343741"/>
             <a:ext cx="768791" cy="811954"/>
           </a:xfrm>
           <a:prstGeom prst="line">
@@ -16572,7 +16638,7 @@
         </p:nvCxnSpPr>
         <p:spPr>
           <a:xfrm flipV="1">
-            <a:off x="1212539" y="3696668"/>
+            <a:off x="1402099" y="3620852"/>
             <a:ext cx="785366" cy="534843"/>
           </a:xfrm>
           <a:prstGeom prst="line">
@@ -16613,7 +16679,7 @@
         </p:nvCxnSpPr>
         <p:spPr>
           <a:xfrm flipV="1">
-            <a:off x="1254472" y="4409935"/>
+            <a:off x="1444032" y="4334119"/>
             <a:ext cx="671817" cy="1660"/>
           </a:xfrm>
           <a:prstGeom prst="line">
@@ -16654,7 +16720,7 @@
         </p:nvCxnSpPr>
         <p:spPr>
           <a:xfrm flipV="1">
-            <a:off x="2154889" y="3767159"/>
+            <a:off x="2344449" y="3691343"/>
             <a:ext cx="4661" cy="402106"/>
           </a:xfrm>
           <a:prstGeom prst="line">
@@ -16694,7 +16760,7 @@
         </p:nvCxnSpPr>
         <p:spPr>
           <a:xfrm flipV="1">
-            <a:off x="1011459" y="3780212"/>
+            <a:off x="1201019" y="3704396"/>
             <a:ext cx="0" cy="389053"/>
           </a:xfrm>
           <a:prstGeom prst="line">
@@ -16732,7 +16798,7 @@
         </p:nvGrpSpPr>
         <p:grpSpPr>
           <a:xfrm>
-            <a:off x="1362816" y="2705386"/>
+            <a:off x="1552376" y="2629570"/>
             <a:ext cx="457200" cy="481340"/>
             <a:chOff x="5029201" y="1950712"/>
             <a:chExt cx="457200" cy="481340"/>
@@ -16836,7 +16902,7 @@
         </p:nvGrpSpPr>
         <p:grpSpPr>
           <a:xfrm>
-            <a:off x="782859" y="3298872"/>
+            <a:off x="972419" y="3223056"/>
             <a:ext cx="457200" cy="481340"/>
             <a:chOff x="5029201" y="1950712"/>
             <a:chExt cx="457200" cy="481340"/>
@@ -16940,7 +17006,7 @@
         </p:nvGrpSpPr>
         <p:grpSpPr>
           <a:xfrm>
-            <a:off x="1930950" y="3285819"/>
+            <a:off x="2120510" y="3210003"/>
             <a:ext cx="457200" cy="481340"/>
             <a:chOff x="5029201" y="1950712"/>
             <a:chExt cx="457200" cy="481340"/>
@@ -17044,7 +17110,7 @@
         </p:nvGrpSpPr>
         <p:grpSpPr>
           <a:xfrm>
-            <a:off x="1926289" y="4169265"/>
+            <a:off x="2115849" y="4093449"/>
             <a:ext cx="457200" cy="481340"/>
             <a:chOff x="5029201" y="1950712"/>
             <a:chExt cx="457200" cy="481340"/>
@@ -17148,7 +17214,7 @@
         </p:nvGrpSpPr>
         <p:grpSpPr>
           <a:xfrm>
-            <a:off x="797272" y="4170925"/>
+            <a:off x="986832" y="4095109"/>
             <a:ext cx="457200" cy="481340"/>
             <a:chOff x="5029201" y="1950712"/>
             <a:chExt cx="457200" cy="481340"/>
@@ -17255,7 +17321,7 @@
         </p:nvCxnSpPr>
         <p:spPr>
           <a:xfrm>
-            <a:off x="1753061" y="3116235"/>
+            <a:off x="1942621" y="3040419"/>
             <a:ext cx="244844" cy="240075"/>
           </a:xfrm>
           <a:prstGeom prst="line">
@@ -17296,7 +17362,7 @@
         </p:nvCxnSpPr>
         <p:spPr>
           <a:xfrm flipH="1">
-            <a:off x="1173104" y="3116235"/>
+            <a:off x="1362664" y="3040419"/>
             <a:ext cx="256667" cy="253128"/>
           </a:xfrm>
           <a:prstGeom prst="line">
@@ -17337,7 +17403,7 @@
         </p:nvCxnSpPr>
         <p:spPr>
           <a:xfrm flipH="1" flipV="1">
-            <a:off x="1173104" y="3709721"/>
+            <a:off x="1362664" y="3633905"/>
             <a:ext cx="820140" cy="530035"/>
           </a:xfrm>
           <a:prstGeom prst="line">
@@ -17377,7 +17443,7 @@
         </p:nvCxnSpPr>
         <p:spPr>
           <a:xfrm flipV="1">
-            <a:off x="1161737" y="3186726"/>
+            <a:off x="1351297" y="3110910"/>
             <a:ext cx="429679" cy="1168014"/>
           </a:xfrm>
           <a:prstGeom prst="line">
@@ -17418,7 +17484,7 @@
         </p:nvCxnSpPr>
         <p:spPr>
           <a:xfrm flipH="1" flipV="1">
-            <a:off x="1591416" y="3186726"/>
+            <a:off x="1780976" y="3110910"/>
             <a:ext cx="401828" cy="1053030"/>
           </a:xfrm>
           <a:prstGeom prst="line">
@@ -17459,7 +17525,7 @@
         </p:nvCxnSpPr>
         <p:spPr>
           <a:xfrm flipV="1">
-            <a:off x="1240059" y="3526489"/>
+            <a:off x="1429619" y="3450673"/>
             <a:ext cx="690891" cy="13053"/>
           </a:xfrm>
           <a:prstGeom prst="line">

--- a/Documents/Architecture/nervousnet.pptx
+++ b/Documents/Architecture/nervousnet.pptx
@@ -3698,7 +3698,7 @@
           <a:p>
             <a:fld id="{E29EADBD-8C2A-0E4C-92CE-5EBFF6224A3A}" type="datetime1">
               <a:rPr lang="en-US" smtClean="0"/>
-              <a:t>05/04/16</a:t>
+              <a:t>06/04/16</a:t>
             </a:fld>
             <a:endParaRPr lang="en-US"/>
           </a:p>
@@ -3868,7 +3868,7 @@
           <a:p>
             <a:fld id="{00A2197B-82DA-B840-975D-6BA3EE4C2DC8}" type="datetime1">
               <a:rPr lang="en-US" smtClean="0"/>
-              <a:t>05/04/16</a:t>
+              <a:t>06/04/16</a:t>
             </a:fld>
             <a:endParaRPr lang="en-US"/>
           </a:p>
@@ -4696,7 +4696,7 @@
           <a:p>
             <a:fld id="{D9367090-103A-FA49-A3B4-31066D77167B}" type="datetime1">
               <a:rPr lang="en-US" smtClean="0"/>
-              <a:t>05/04/16</a:t>
+              <a:t>06/04/16</a:t>
             </a:fld>
             <a:endParaRPr lang="en-US"/>
           </a:p>
@@ -5021,7 +5021,7 @@
           <a:p>
             <a:fld id="{ABC2C74B-38EB-6142-981A-F4874F5C558C}" type="datetime1">
               <a:rPr lang="en-US" smtClean="0"/>
-              <a:t>05/04/16</a:t>
+              <a:t>06/04/16</a:t>
             </a:fld>
             <a:endParaRPr lang="en-US"/>
           </a:p>
@@ -5302,7 +5302,7 @@
           <a:p>
             <a:fld id="{2E308B6A-9F4E-B64E-B36C-0598F402E0B0}" type="datetime1">
               <a:rPr lang="en-US" smtClean="0"/>
-              <a:t>05/04/16</a:t>
+              <a:t>06/04/16</a:t>
             </a:fld>
             <a:endParaRPr lang="en-US"/>
           </a:p>
@@ -5600,7 +5600,7 @@
           <a:p>
             <a:fld id="{85937D96-DDC1-4747-AA95-A033CACCB96C}" type="datetime1">
               <a:rPr lang="en-US" smtClean="0"/>
-              <a:t>05/04/16</a:t>
+              <a:t>06/04/16</a:t>
             </a:fld>
             <a:endParaRPr lang="en-US"/>
           </a:p>
@@ -5933,7 +5933,7 @@
           <a:p>
             <a:fld id="{5321CDED-9626-FA46-9EE7-E82FB8600649}" type="datetime1">
               <a:rPr lang="en-US" smtClean="0"/>
-              <a:t>05/04/16</a:t>
+              <a:t>06/04/16</a:t>
             </a:fld>
             <a:endParaRPr lang="en-US"/>
           </a:p>
@@ -6188,7 +6188,7 @@
           <a:p>
             <a:fld id="{1C24507A-5856-C541-981B-4412383053C8}" type="datetime1">
               <a:rPr lang="en-US" smtClean="0"/>
-              <a:t>05/04/16</a:t>
+              <a:t>06/04/16</a:t>
             </a:fld>
             <a:endParaRPr lang="en-US"/>
           </a:p>
@@ -6371,7 +6371,7 @@
           <a:p>
             <a:fld id="{6905DD47-EC52-8743-A4BF-BDFBFBA3AE81}" type="datetime1">
               <a:rPr lang="en-US" smtClean="0"/>
-              <a:t>05/04/16</a:t>
+              <a:t>06/04/16</a:t>
             </a:fld>
             <a:endParaRPr lang="en-US"/>
           </a:p>
@@ -6544,7 +6544,7 @@
           <a:p>
             <a:fld id="{1D77DB73-494B-5E4A-8019-F4524E111BAF}" type="datetime1">
               <a:rPr lang="en-US" smtClean="0"/>
-              <a:t>05/04/16</a:t>
+              <a:t>06/04/16</a:t>
             </a:fld>
             <a:endParaRPr lang="en-US"/>
           </a:p>
@@ -6817,7 +6817,7 @@
           <a:p>
             <a:fld id="{5A88EB98-4821-3849-86D7-AEAB3699D07C}" type="datetime1">
               <a:rPr lang="en-US" smtClean="0"/>
-              <a:t>05/04/16</a:t>
+              <a:t>06/04/16</a:t>
             </a:fld>
             <a:endParaRPr lang="en-US"/>
           </a:p>
@@ -7128,7 +7128,7 @@
           <a:p>
             <a:fld id="{E2211E45-9E9F-C742-80C0-3820C3566BB1}" type="datetime1">
               <a:rPr lang="en-US" smtClean="0"/>
-              <a:t>05/04/16</a:t>
+              <a:t>06/04/16</a:t>
             </a:fld>
             <a:endParaRPr lang="en-US"/>
           </a:p>
@@ -7424,7 +7424,7 @@
           <a:p>
             <a:fld id="{CB5CC828-769C-E54C-9215-692401F93968}" type="datetime1">
               <a:rPr lang="en-US" smtClean="0"/>
-              <a:t>05/04/16</a:t>
+              <a:t>06/04/16</a:t>
             </a:fld>
             <a:endParaRPr lang="en-US"/>
           </a:p>
@@ -7858,7 +7858,7 @@
           <a:p>
             <a:fld id="{1AA2AE0E-A114-5642-B6C6-FD149E76306E}" type="datetime1">
               <a:rPr lang="en-US" smtClean="0"/>
-              <a:t>05/04/16</a:t>
+              <a:t>06/04/16</a:t>
             </a:fld>
             <a:endParaRPr lang="en-US"/>
           </a:p>
@@ -8208,7 +8208,7 @@
           <a:p>
             <a:fld id="{8A715A52-2182-4049-98B2-F3202A644989}" type="datetime1">
               <a:rPr lang="en-US" smtClean="0"/>
-              <a:t>05/04/16</a:t>
+              <a:t>06/04/16</a:t>
             </a:fld>
             <a:endParaRPr lang="en-US"/>
           </a:p>
@@ -8302,7 +8302,7 @@
           <a:p>
             <a:fld id="{3CF4FDC8-DC40-7C44-B03A-3EFB3AAE78B7}" type="datetime1">
               <a:rPr lang="en-US" smtClean="0"/>
-              <a:t>05/04/16</a:t>
+              <a:t>06/04/16</a:t>
             </a:fld>
             <a:endParaRPr lang="en-US"/>
           </a:p>
@@ -8643,7 +8643,7 @@
           <a:p>
             <a:fld id="{22BC680A-A1C5-9D47-898A-4B941B6FDB12}" type="datetime1">
               <a:rPr lang="en-US" smtClean="0"/>
-              <a:t>05/04/16</a:t>
+              <a:t>06/04/16</a:t>
             </a:fld>
             <a:endParaRPr lang="en-US"/>
           </a:p>
@@ -8859,7 +8859,7 @@
           <a:p>
             <a:fld id="{A94D9655-E859-0A4D-ABA6-66C7095048D0}" type="datetime1">
               <a:rPr lang="en-US" smtClean="0"/>
-              <a:t>05/04/16</a:t>
+              <a:t>06/04/16</a:t>
             </a:fld>
             <a:endParaRPr lang="en-US"/>
           </a:p>
@@ -9469,10 +9469,22 @@
           <a:lstStyle/>
           <a:p>
             <a:r>
-              <a:rPr lang="en-US" smtClean="0"/>
+              <a:rPr lang="en-US" dirty="0" smtClean="0">
+                <a:solidFill>
+                  <a:schemeClr val="bg1">
+                    <a:lumMod val="65000"/>
+                  </a:schemeClr>
+                </a:solidFill>
+              </a:rPr>
               <a:t>© ETH Zürich, COSS </a:t>
             </a:r>
-            <a:endParaRPr lang="en-US"/>
+            <a:endParaRPr lang="en-US" dirty="0">
+              <a:solidFill>
+                <a:schemeClr val="bg1">
+                  <a:lumMod val="65000"/>
+                </a:schemeClr>
+              </a:solidFill>
+            </a:endParaRPr>
           </a:p>
         </p:txBody>
       </p:sp>
@@ -10415,16 +10427,29 @@
             <p:ph type="ftr" sz="quarter" idx="11"/>
           </p:nvPr>
         </p:nvSpPr>
-        <p:spPr/>
+        <p:spPr>
+          <a:xfrm>
+            <a:off x="1120588" y="93810"/>
+            <a:ext cx="2895600" cy="273844"/>
+          </a:xfrm>
+        </p:spPr>
         <p:txBody>
           <a:bodyPr/>
           <a:lstStyle/>
           <a:p>
             <a:r>
-              <a:rPr lang="en-US" smtClean="0"/>
+              <a:rPr lang="en-US" dirty="0" smtClean="0">
+                <a:solidFill>
+                  <a:srgbClr val="A6A6A6"/>
+                </a:solidFill>
+              </a:rPr>
               <a:t>© ETH Zürich, COSS </a:t>
             </a:r>
-            <a:endParaRPr lang="en-US"/>
+            <a:endParaRPr lang="en-US" dirty="0">
+              <a:solidFill>
+                <a:srgbClr val="A6A6A6"/>
+              </a:solidFill>
+            </a:endParaRPr>
           </a:p>
         </p:txBody>
       </p:sp>
@@ -10926,7 +10951,7 @@
         </p:blipFill>
         <p:spPr>
           <a:xfrm>
-            <a:off x="1160582" y="650714"/>
+            <a:off x="876242" y="641237"/>
             <a:ext cx="362435" cy="652384"/>
           </a:xfrm>
           <a:prstGeom prst="rect">
@@ -10970,7 +10995,7 @@
         </p:blipFill>
         <p:spPr>
           <a:xfrm>
-            <a:off x="1218735" y="808531"/>
+            <a:off x="924917" y="808531"/>
             <a:ext cx="261892" cy="261892"/>
           </a:xfrm>
           <a:prstGeom prst="rect">
@@ -11071,7 +11096,7 @@
         </p:blipFill>
         <p:spPr>
           <a:xfrm>
-            <a:off x="1220374" y="1367329"/>
+            <a:off x="926556" y="1367329"/>
             <a:ext cx="260253" cy="260253"/>
           </a:xfrm>
           <a:prstGeom prst="rect">
@@ -11097,7 +11122,7 @@
         </p:blipFill>
         <p:spPr>
           <a:xfrm>
-            <a:off x="1212689" y="1710229"/>
+            <a:off x="918871" y="1710229"/>
             <a:ext cx="267938" cy="328833"/>
           </a:xfrm>
           <a:prstGeom prst="rect">
@@ -11105,45 +11130,6 @@
           </a:prstGeom>
         </p:spPr>
       </p:pic>
-      <p:cxnSp>
-        <p:nvCxnSpPr>
-          <p:cNvPr id="25" name="Straight Arrow Connector 24"/>
-          <p:cNvCxnSpPr/>
-          <p:nvPr/>
-        </p:nvCxnSpPr>
-        <p:spPr>
-          <a:xfrm>
-            <a:off x="1523017" y="1444502"/>
-            <a:ext cx="243277" cy="0"/>
-          </a:xfrm>
-          <a:prstGeom prst="straightConnector1">
-            <a:avLst/>
-          </a:prstGeom>
-          <a:ln>
-            <a:solidFill>
-              <a:schemeClr val="tx1">
-                <a:lumMod val="50000"/>
-                <a:lumOff val="50000"/>
-              </a:schemeClr>
-            </a:solidFill>
-            <a:tailEnd type="arrow"/>
-          </a:ln>
-        </p:spPr>
-        <p:style>
-          <a:lnRef idx="2">
-            <a:schemeClr val="accent1"/>
-          </a:lnRef>
-          <a:fillRef idx="0">
-            <a:schemeClr val="accent1"/>
-          </a:fillRef>
-          <a:effectRef idx="1">
-            <a:schemeClr val="accent1"/>
-          </a:effectRef>
-          <a:fontRef idx="minor">
-            <a:schemeClr val="tx1"/>
-          </a:fontRef>
-        </p:style>
-      </p:cxnSp>
       <p:cxnSp>
         <p:nvCxnSpPr>
           <p:cNvPr id="28" name="Straight Connector 27"/>
@@ -11328,7 +11314,7 @@
         </p:nvSpPr>
         <p:spPr>
           <a:xfrm>
-            <a:off x="204197" y="1165917"/>
+            <a:off x="14637" y="1165917"/>
             <a:ext cx="684803" cy="461665"/>
           </a:xfrm>
           <a:prstGeom prst="rect">
@@ -12804,16 +12790,29 @@
             <p:ph type="ftr" sz="quarter" idx="11"/>
           </p:nvPr>
         </p:nvSpPr>
-        <p:spPr/>
+        <p:spPr>
+          <a:xfrm>
+            <a:off x="1120588" y="55902"/>
+            <a:ext cx="2895600" cy="273844"/>
+          </a:xfrm>
+        </p:spPr>
         <p:txBody>
           <a:bodyPr/>
           <a:lstStyle/>
           <a:p>
             <a:r>
-              <a:rPr lang="en-US" smtClean="0"/>
+              <a:rPr lang="en-US" dirty="0" smtClean="0">
+                <a:solidFill>
+                  <a:srgbClr val="A6A6A6"/>
+                </a:solidFill>
+              </a:rPr>
               <a:t>© ETH Zürich, COSS </a:t>
             </a:r>
-            <a:endParaRPr lang="en-US"/>
+            <a:endParaRPr lang="en-US" dirty="0">
+              <a:solidFill>
+                <a:srgbClr val="A6A6A6"/>
+              </a:solidFill>
+            </a:endParaRPr>
           </a:p>
         </p:txBody>
       </p:sp>
@@ -12825,7 +12824,7 @@
         </p:nvSpPr>
         <p:spPr>
           <a:xfrm>
-            <a:off x="889000" y="982133"/>
+            <a:off x="595182" y="982133"/>
             <a:ext cx="304800" cy="852128"/>
           </a:xfrm>
           <a:prstGeom prst="leftBrace">
@@ -12895,6 +12894,85 @@
           <a:xfrm>
             <a:off x="1807571" y="4037131"/>
             <a:ext cx="660334" cy="656540"/>
+          </a:xfrm>
+          <a:prstGeom prst="rect">
+            <a:avLst/>
+          </a:prstGeom>
+        </p:spPr>
+      </p:pic>
+      <p:sp>
+        <p:nvSpPr>
+          <p:cNvPr id="81" name="TextBox 80"/>
+          <p:cNvSpPr txBox="1"/>
+          <p:nvPr/>
+        </p:nvSpPr>
+        <p:spPr>
+          <a:xfrm rot="16200000">
+            <a:off x="1141030" y="1324942"/>
+            <a:ext cx="1157725" cy="215444"/>
+          </a:xfrm>
+          <a:prstGeom prst="rect">
+            <a:avLst/>
+          </a:prstGeom>
+          <a:noFill/>
+        </p:spPr>
+        <p:txBody>
+          <a:bodyPr wrap="square" rtlCol="0">
+            <a:spAutoFit/>
+          </a:bodyPr>
+          <a:lstStyle/>
+          <a:p>
+            <a:pPr algn="ctr"/>
+            <a:r>
+              <a:rPr lang="en-US" sz="800" dirty="0" smtClean="0"/>
+              <a:t>HUB API's</a:t>
+            </a:r>
+            <a:endParaRPr lang="en-US" sz="800" dirty="0"/>
+          </a:p>
+        </p:txBody>
+      </p:sp>
+      <p:pic>
+        <p:nvPicPr>
+          <p:cNvPr id="5" name="Picture 4"/>
+          <p:cNvPicPr>
+            <a:picLocks noChangeAspect="1"/>
+          </p:cNvPicPr>
+          <p:nvPr/>
+        </p:nvPicPr>
+        <p:blipFill>
+          <a:blip r:embed="rId16"/>
+          <a:stretch>
+            <a:fillRect/>
+          </a:stretch>
+        </p:blipFill>
+        <p:spPr>
+          <a:xfrm>
+            <a:off x="1403639" y="1165917"/>
+            <a:ext cx="183008" cy="183008"/>
+          </a:xfrm>
+          <a:prstGeom prst="rect">
+            <a:avLst/>
+          </a:prstGeom>
+        </p:spPr>
+      </p:pic>
+      <p:pic>
+        <p:nvPicPr>
+          <p:cNvPr id="11" name="Picture 10"/>
+          <p:cNvPicPr>
+            <a:picLocks noChangeAspect="1"/>
+          </p:cNvPicPr>
+          <p:nvPr/>
+        </p:nvPicPr>
+        <p:blipFill>
+          <a:blip r:embed="rId17"/>
+          <a:stretch>
+            <a:fillRect/>
+          </a:stretch>
+        </p:blipFill>
+        <p:spPr>
+          <a:xfrm>
+            <a:off x="1348221" y="1458942"/>
+            <a:ext cx="286462" cy="286462"/>
           </a:xfrm>
           <a:prstGeom prst="rect">
             <a:avLst/>
@@ -12980,12 +13058,20 @@
           <a:lstStyle/>
           <a:p>
             <a:r>
+              <a:rPr lang="en-US" dirty="0">
+                <a:solidFill>
+                  <a:schemeClr val="bg1"/>
+                </a:solidFill>
+              </a:rPr>
+              <a:t>n</a:t>
+            </a:r>
+            <a:r>
               <a:rPr lang="en-US" dirty="0" smtClean="0">
                 <a:solidFill>
                   <a:schemeClr val="bg1"/>
                 </a:solidFill>
               </a:rPr>
-              <a:t>nervousnet</a:t>
+              <a:t>ervousnet</a:t>
             </a:r>
             <a:endParaRPr lang="en-US" dirty="0">
               <a:solidFill>
@@ -13073,16 +13159,29 @@
             <p:ph type="ftr" sz="quarter" idx="11"/>
           </p:nvPr>
         </p:nvSpPr>
-        <p:spPr/>
+        <p:spPr>
+          <a:xfrm>
+            <a:off x="1120588" y="65379"/>
+            <a:ext cx="2895600" cy="273844"/>
+          </a:xfrm>
+        </p:spPr>
         <p:txBody>
           <a:bodyPr/>
           <a:lstStyle/>
           <a:p>
             <a:r>
-              <a:rPr lang="en-US" smtClean="0"/>
+              <a:rPr lang="en-US" dirty="0" smtClean="0">
+                <a:solidFill>
+                  <a:srgbClr val="A6A6A6"/>
+                </a:solidFill>
+              </a:rPr>
               <a:t>© ETH Zürich, COSS </a:t>
             </a:r>
-            <a:endParaRPr lang="en-US"/>
+            <a:endParaRPr lang="en-US" dirty="0">
+              <a:solidFill>
+                <a:srgbClr val="A6A6A6"/>
+              </a:solidFill>
+            </a:endParaRPr>
           </a:p>
         </p:txBody>
       </p:sp>
@@ -13095,7 +13194,7 @@
         <p:spPr>
           <a:xfrm>
             <a:off x="890943" y="666715"/>
-            <a:ext cx="7478222" cy="4924426"/>
+            <a:ext cx="7478222" cy="5232202"/>
           </a:xfrm>
           <a:prstGeom prst="rect">
             <a:avLst/>
@@ -13137,15 +13236,7 @@
             </a:pPr>
             <a:r>
               <a:rPr lang="en-US" sz="1000" dirty="0" smtClean="0"/>
-              <a:t>Allows </a:t>
-            </a:r>
-            <a:r>
-              <a:rPr lang="en-US" sz="1000" dirty="0" smtClean="0"/>
-              <a:t>users </a:t>
-            </a:r>
-            <a:r>
-              <a:rPr lang="en-US" sz="1000" dirty="0" smtClean="0"/>
-              <a:t>to view and share various Sensor related Data</a:t>
+              <a:t>Allows users to view and share various Sensor related Data</a:t>
             </a:r>
           </a:p>
           <a:p>
@@ -13181,11 +13272,7 @@
             </a:pPr>
             <a:r>
               <a:rPr lang="en-US" sz="1000" dirty="0" smtClean="0"/>
-              <a:t>Acts like a connectivity hub for external products like smartwatches, beacons and external sensors that want to share sensor data with the nervousnet platform</a:t>
-            </a:r>
-            <a:r>
-              <a:rPr lang="en-US" sz="1000" dirty="0" smtClean="0"/>
-              <a:t>.</a:t>
+              <a:t>Acts like a connectivity hub for external products like smartwatches, beacons and external sensors that want to share sensor data with the nervousnet platform.</a:t>
             </a:r>
           </a:p>
           <a:p>
@@ -13223,7 +13310,6 @@
               <a:rPr lang="en-US" sz="1000" dirty="0" smtClean="0"/>
               <a:t> and allows for external Axons to run inside a WebView container.</a:t>
             </a:r>
-            <a:endParaRPr lang="en-US" sz="1000" dirty="0" smtClean="0"/>
           </a:p>
           <a:p>
             <a:pPr marL="628650" lvl="1" indent="-171450" algn="just">
@@ -13293,6 +13379,36 @@
             </a:r>
           </a:p>
           <a:p>
+            <a:pPr marL="685800" lvl="1" indent="-228600" algn="just">
+              <a:buFont typeface="Arial"/>
+              <a:buChar char="•"/>
+            </a:pPr>
+            <a:r>
+              <a:rPr lang="en-US" sz="1000" dirty="0" smtClean="0"/>
+              <a:t>Possibility of </a:t>
+            </a:r>
+            <a:r>
+              <a:rPr lang="en-US" sz="1000" dirty="0" smtClean="0"/>
+              <a:t>using </a:t>
+            </a:r>
+            <a:r>
+              <a:rPr lang="en-US" sz="1000" u="sng" dirty="0" smtClean="0"/>
+              <a:t>Bluetooth,</a:t>
+            </a:r>
+            <a:r>
+              <a:rPr lang="en-US" sz="1000" dirty="0" smtClean="0"/>
+              <a:t> </a:t>
+            </a:r>
+            <a:r>
+              <a:rPr lang="en-US" sz="1000" u="sng" dirty="0" smtClean="0"/>
+              <a:t>Wi-Fi Direct </a:t>
+            </a:r>
+            <a:r>
+              <a:rPr lang="en-US" sz="1000" dirty="0" smtClean="0"/>
+              <a:t>to do connect to the nervousnet HUB.</a:t>
+            </a:r>
+          </a:p>
+          <a:p>
             <a:pPr lvl="1" algn="just"/>
             <a:endParaRPr lang="en-US" sz="1100" dirty="0" smtClean="0"/>
           </a:p>
@@ -13321,19 +13437,11 @@
             </a:pPr>
             <a:r>
               <a:rPr lang="en-US" sz="1000" dirty="0" smtClean="0"/>
-              <a:t> Currently </a:t>
+              <a:t>Currently </a:t>
             </a:r>
             <a:r>
               <a:rPr lang="en-US" sz="1000" dirty="0" smtClean="0"/>
-              <a:t>supported </a:t>
-            </a:r>
-            <a:r>
-              <a:rPr lang="en-US" sz="1000" dirty="0" smtClean="0"/>
-              <a:t>on the </a:t>
-            </a:r>
-            <a:r>
-              <a:rPr lang="en-US" sz="1000" dirty="0" smtClean="0"/>
-              <a:t>iOS platform.</a:t>
+              <a:t>supported on the iOS platform.</a:t>
             </a:r>
           </a:p>
           <a:p>
@@ -13343,13 +13451,8 @@
             </a:pPr>
             <a:r>
               <a:rPr lang="en-US" sz="1000" dirty="0" smtClean="0"/>
-              <a:t>Android Platform support in </a:t>
-            </a:r>
-            <a:r>
-              <a:rPr lang="en-US" sz="1000" dirty="0" smtClean="0"/>
-              <a:t>the next phase.</a:t>
-            </a:r>
-            <a:endParaRPr lang="en-US" sz="1000" dirty="0" smtClean="0"/>
+              <a:t>Android Platform support in the next phase.</a:t>
+            </a:r>
           </a:p>
           <a:p>
             <a:pPr marL="228600" indent="-228600" algn="just">
@@ -13373,7 +13476,11 @@
             </a:r>
             <a:r>
               <a:rPr lang="en-US" sz="1000" dirty="0" smtClean="0"/>
-              <a:t>Distributed and Decentralized set of Servers </a:t>
+              <a:t>Distributed and Decentralized set of </a:t>
+            </a:r>
+            <a:r>
+              <a:rPr lang="en-US" sz="1000" dirty="0" smtClean="0"/>
+              <a:t>Servers </a:t>
             </a:r>
           </a:p>
           <a:p>
@@ -13382,20 +13489,8 @@
               <a:buChar char="•"/>
             </a:pPr>
             <a:r>
-              <a:rPr lang="en-US" sz="1000" dirty="0"/>
-              <a:t>U</a:t>
-            </a:r>
-            <a:r>
               <a:rPr lang="en-US" sz="1000" dirty="0" smtClean="0"/>
-              <a:t>sed to store and collect Data shared by Clients (Mobile &amp; Web), </a:t>
-            </a:r>
-            <a:r>
-              <a:rPr lang="en-US" sz="1000" dirty="0"/>
-              <a:t>I</a:t>
-            </a:r>
-            <a:r>
-              <a:rPr lang="en-US" sz="1000" dirty="0" smtClean="0"/>
-              <a:t>OT Hardware sensors and devices and partner platforms. </a:t>
+              <a:t>Used to store and collect Data shared by Clients (Mobile &amp; Web), IOT Hardware sensors and devices, partner platforms and more.</a:t>
             </a:r>
           </a:p>
           <a:p>
@@ -13405,7 +13500,11 @@
             </a:pPr>
             <a:r>
               <a:rPr lang="en-US" sz="1000" dirty="0" smtClean="0"/>
-              <a:t>Individual Servers are called </a:t>
+              <a:t>Individual </a:t>
+            </a:r>
+            <a:r>
+              <a:rPr lang="en-US" sz="1000" dirty="0" smtClean="0"/>
+              <a:t>Servers are called </a:t>
             </a:r>
             <a:r>
               <a:rPr lang="en-US" sz="1000" b="1" dirty="0" smtClean="0"/>
@@ -13423,8 +13522,16 @@
             </a:pPr>
             <a:r>
               <a:rPr lang="en-US" sz="1000" dirty="0" smtClean="0"/>
-              <a:t>Mobile Clients will have the option of selecting a server from a list.</a:t>
-            </a:r>
+              <a:t>Mobile Clients will have the option of selecting a server from a list</a:t>
+            </a:r>
+            <a:r>
+              <a:rPr lang="en-US" sz="1000" dirty="0" smtClean="0"/>
+              <a:t>.</a:t>
+            </a:r>
+          </a:p>
+          <a:p>
+            <a:pPr lvl="1" algn="just"/>
+            <a:endParaRPr lang="en-US" sz="1000" dirty="0" smtClean="0"/>
           </a:p>
           <a:p>
             <a:pPr marL="228600" indent="-228600">
@@ -14337,16 +14444,29 @@
             <p:ph type="ftr" sz="quarter" idx="11"/>
           </p:nvPr>
         </p:nvSpPr>
-        <p:spPr/>
+        <p:spPr>
+          <a:xfrm>
+            <a:off x="1120588" y="74856"/>
+            <a:ext cx="2895600" cy="273844"/>
+          </a:xfrm>
+        </p:spPr>
         <p:txBody>
           <a:bodyPr/>
           <a:lstStyle/>
           <a:p>
             <a:r>
-              <a:rPr lang="en-US" smtClean="0"/>
+              <a:rPr lang="en-US" dirty="0" smtClean="0">
+                <a:solidFill>
+                  <a:srgbClr val="A6A6A6"/>
+                </a:solidFill>
+              </a:rPr>
               <a:t>© ETH Zürich, COSS </a:t>
             </a:r>
-            <a:endParaRPr lang="en-US"/>
+            <a:endParaRPr lang="en-US" dirty="0">
+              <a:solidFill>
+                <a:srgbClr val="A6A6A6"/>
+              </a:solidFill>
+            </a:endParaRPr>
           </a:p>
         </p:txBody>
       </p:sp>
